--- a/Cng 562.pptx
+++ b/Cng 562.pptx
@@ -6,17 +6,18 @@
   </p:sldMasterIdLst>
   <p:sldIdLst>
     <p:sldId id="256" r:id="rId2"/>
-    <p:sldId id="257" r:id="rId3"/>
-    <p:sldId id="258" r:id="rId4"/>
-    <p:sldId id="259" r:id="rId5"/>
-    <p:sldId id="260" r:id="rId6"/>
-    <p:sldId id="262" r:id="rId7"/>
-    <p:sldId id="263" r:id="rId8"/>
-    <p:sldId id="264" r:id="rId9"/>
-    <p:sldId id="265" r:id="rId10"/>
-    <p:sldId id="266" r:id="rId11"/>
-    <p:sldId id="267" r:id="rId12"/>
-    <p:sldId id="269" r:id="rId13"/>
+    <p:sldId id="270" r:id="rId3"/>
+    <p:sldId id="257" r:id="rId4"/>
+    <p:sldId id="258" r:id="rId5"/>
+    <p:sldId id="259" r:id="rId6"/>
+    <p:sldId id="260" r:id="rId7"/>
+    <p:sldId id="262" r:id="rId8"/>
+    <p:sldId id="263" r:id="rId9"/>
+    <p:sldId id="264" r:id="rId10"/>
+    <p:sldId id="265" r:id="rId11"/>
+    <p:sldId id="266" r:id="rId12"/>
+    <p:sldId id="267" r:id="rId13"/>
+    <p:sldId id="269" r:id="rId14"/>
   </p:sldIdLst>
   <p:sldSz cx="12192000" cy="6858000"/>
   <p:notesSz cx="6858000" cy="9144000"/>
@@ -115,6 +116,11 @@
       </a:defRPr>
     </a:lvl9pPr>
   </p:defaultTextStyle>
+  <p:extLst>
+    <p:ext uri="{EFAFB233-063F-42B5-8137-9DF3F51BA10A}">
+      <p15:sldGuideLst xmlns:p15="http://schemas.microsoft.com/office/powerpoint/2012/main"/>
+    </p:ext>
+  </p:extLst>
 </p:presentation>
 </file>
 
@@ -287,7 +293,7 @@
           <a:p>
             <a:fld id="{BA1BB6B3-B61B-473C-8396-9E2DA7F0801D}" type="datetimeFigureOut">
               <a:rPr lang="en-US" smtClean="0"/>
-              <a:t>3/2/2020</a:t>
+              <a:t>3/3/2020</a:t>
             </a:fld>
             <a:endParaRPr lang="en-US"/>
           </a:p>
@@ -617,7 +623,7 @@
           <a:p>
             <a:fld id="{BA1BB6B3-B61B-473C-8396-9E2DA7F0801D}" type="datetimeFigureOut">
               <a:rPr lang="en-US" smtClean="0"/>
-              <a:t>3/2/2020</a:t>
+              <a:t>3/3/2020</a:t>
             </a:fld>
             <a:endParaRPr lang="en-US"/>
           </a:p>
@@ -797,7 +803,7 @@
           <a:p>
             <a:fld id="{BA1BB6B3-B61B-473C-8396-9E2DA7F0801D}" type="datetimeFigureOut">
               <a:rPr lang="en-US" smtClean="0"/>
-              <a:t>3/2/2020</a:t>
+              <a:t>3/3/2020</a:t>
             </a:fld>
             <a:endParaRPr lang="en-US"/>
           </a:p>
@@ -967,7 +973,7 @@
           <a:p>
             <a:fld id="{BA1BB6B3-B61B-473C-8396-9E2DA7F0801D}" type="datetimeFigureOut">
               <a:rPr lang="en-US" smtClean="0"/>
-              <a:t>3/2/2020</a:t>
+              <a:t>3/3/2020</a:t>
             </a:fld>
             <a:endParaRPr lang="en-US"/>
           </a:p>
@@ -1244,7 +1250,7 @@
           <a:p>
             <a:fld id="{BA1BB6B3-B61B-473C-8396-9E2DA7F0801D}" type="datetimeFigureOut">
               <a:rPr lang="en-US" smtClean="0"/>
-              <a:t>3/2/2020</a:t>
+              <a:t>3/3/2020</a:t>
             </a:fld>
             <a:endParaRPr lang="en-US"/>
           </a:p>
@@ -1638,7 +1644,7 @@
           <a:p>
             <a:fld id="{BA1BB6B3-B61B-473C-8396-9E2DA7F0801D}" type="datetimeFigureOut">
               <a:rPr lang="en-US" smtClean="0"/>
-              <a:t>3/2/2020</a:t>
+              <a:t>3/3/2020</a:t>
             </a:fld>
             <a:endParaRPr lang="en-US"/>
           </a:p>
@@ -2115,7 +2121,7 @@
           <a:p>
             <a:fld id="{BA1BB6B3-B61B-473C-8396-9E2DA7F0801D}" type="datetimeFigureOut">
               <a:rPr lang="en-US" smtClean="0"/>
-              <a:t>3/2/2020</a:t>
+              <a:t>3/3/2020</a:t>
             </a:fld>
             <a:endParaRPr lang="en-US"/>
           </a:p>
@@ -2233,7 +2239,7 @@
           <a:p>
             <a:fld id="{BA1BB6B3-B61B-473C-8396-9E2DA7F0801D}" type="datetimeFigureOut">
               <a:rPr lang="en-US" smtClean="0"/>
-              <a:t>3/2/2020</a:t>
+              <a:t>3/3/2020</a:t>
             </a:fld>
             <a:endParaRPr lang="en-US"/>
           </a:p>
@@ -2328,7 +2334,7 @@
           <a:p>
             <a:fld id="{BA1BB6B3-B61B-473C-8396-9E2DA7F0801D}" type="datetimeFigureOut">
               <a:rPr lang="en-US" smtClean="0"/>
-              <a:t>3/2/2020</a:t>
+              <a:t>3/3/2020</a:t>
             </a:fld>
             <a:endParaRPr lang="en-US"/>
           </a:p>
@@ -2674,7 +2680,7 @@
           <a:p>
             <a:fld id="{BA1BB6B3-B61B-473C-8396-9E2DA7F0801D}" type="datetimeFigureOut">
               <a:rPr lang="en-US" smtClean="0"/>
-              <a:t>3/2/2020</a:t>
+              <a:t>3/3/2020</a:t>
             </a:fld>
             <a:endParaRPr lang="en-US"/>
           </a:p>
@@ -3062,7 +3068,7 @@
           <a:p>
             <a:fld id="{BA1BB6B3-B61B-473C-8396-9E2DA7F0801D}" type="datetimeFigureOut">
               <a:rPr lang="en-US" smtClean="0"/>
-              <a:t>3/2/2020</a:t>
+              <a:t>3/3/2020</a:t>
             </a:fld>
             <a:endParaRPr lang="en-US"/>
           </a:p>
@@ -3340,7 +3346,7 @@
           <a:p>
             <a:fld id="{BA1BB6B3-B61B-473C-8396-9E2DA7F0801D}" type="datetimeFigureOut">
               <a:rPr lang="en-US" smtClean="0"/>
-              <a:t>3/2/2020</a:t>
+              <a:t>3/3/2020</a:t>
             </a:fld>
             <a:endParaRPr lang="en-US"/>
           </a:p>
@@ -4219,8 +4225,12 @@
           </a:lstStyle>
           <a:p>
             <a:r>
+              <a:rPr lang="tr-TR" dirty="0" err="1" smtClean="0"/>
+              <a:t>Linear</a:t>
+            </a:r>
+            <a:r>
               <a:rPr lang="tr-TR" dirty="0" smtClean="0"/>
-              <a:t>Logistic Regression</a:t>
+              <a:t> Regression</a:t>
             </a:r>
           </a:p>
           <a:p>
@@ -4279,7 +4289,7 @@
       </p:sp>
       <p:pic>
         <p:nvPicPr>
-          <p:cNvPr id="3" name="Picture 2"/>
+          <p:cNvPr id="13" name="Picture 12"/>
           <p:cNvPicPr>
             <a:picLocks noChangeAspect="1"/>
           </p:cNvPicPr>
@@ -4293,13 +4303,13 @@
               </a:ext>
             </a:extLst>
           </a:blip>
-          <a:srcRect l="2418" t="-344" r="1803" b="344"/>
+          <a:srcRect l="2614" r="8894"/>
           <a:stretch/>
         </p:blipFill>
         <p:spPr>
           <a:xfrm>
-            <a:off x="1371600" y="3210339"/>
-            <a:ext cx="3291840" cy="2415749"/>
+            <a:off x="1363286" y="3221424"/>
+            <a:ext cx="3358343" cy="2415749"/>
           </a:xfrm>
           <a:prstGeom prst="rect">
             <a:avLst/>
@@ -4308,7 +4318,7 @@
       </p:pic>
       <p:pic>
         <p:nvPicPr>
-          <p:cNvPr id="4" name="Picture 3"/>
+          <p:cNvPr id="14" name="Picture 13"/>
           <p:cNvPicPr>
             <a:picLocks noChangeAspect="1"/>
           </p:cNvPicPr>
@@ -4322,13 +4332,13 @@
               </a:ext>
             </a:extLst>
           </a:blip>
-          <a:srcRect l="2498" r="2418"/>
+          <a:srcRect l="1521" r="2707"/>
           <a:stretch/>
         </p:blipFill>
         <p:spPr>
           <a:xfrm>
-            <a:off x="5071653" y="3252252"/>
-            <a:ext cx="3275215" cy="2331922"/>
+            <a:off x="4942801" y="3221424"/>
+            <a:ext cx="3350030" cy="2370025"/>
           </a:xfrm>
           <a:prstGeom prst="rect">
             <a:avLst/>
@@ -4337,7 +4347,7 @@
       </p:pic>
       <p:pic>
         <p:nvPicPr>
-          <p:cNvPr id="5" name="Picture 4"/>
+          <p:cNvPr id="15" name="Picture 14"/>
           <p:cNvPicPr>
             <a:picLocks noChangeAspect="1"/>
           </p:cNvPicPr>
@@ -4351,13 +4361,13 @@
               </a:ext>
             </a:extLst>
           </a:blip>
-          <a:srcRect l="2405" r="3724"/>
+          <a:srcRect l="1363" r="4868"/>
           <a:stretch/>
         </p:blipFill>
         <p:spPr>
           <a:xfrm>
-            <a:off x="8755082" y="3210339"/>
-            <a:ext cx="3283528" cy="2438611"/>
+            <a:off x="8711738" y="3213803"/>
+            <a:ext cx="3308466" cy="2354784"/>
           </a:xfrm>
           <a:prstGeom prst="rect">
             <a:avLst/>
@@ -4367,7 +4377,7 @@
     </p:spTree>
     <p:extLst>
       <p:ext uri="{BB962C8B-B14F-4D97-AF65-F5344CB8AC3E}">
-        <p14:creationId xmlns:p14="http://schemas.microsoft.com/office/powerpoint/2010/main" val="3843301523"/>
+        <p14:creationId xmlns:p14="http://schemas.microsoft.com/office/powerpoint/2010/main" val="843434975"/>
       </p:ext>
     </p:extLst>
   </p:cSld>
@@ -4411,6 +4421,430 @@
             <p:ph type="title"/>
           </p:nvPr>
         </p:nvSpPr>
+        <p:spPr>
+          <a:xfrm>
+            <a:off x="1371600" y="685800"/>
+            <a:ext cx="9601200" cy="760615"/>
+          </a:xfrm>
+        </p:spPr>
+        <p:txBody>
+          <a:bodyPr/>
+          <a:lstStyle/>
+          <a:p>
+            <a:r>
+              <a:rPr lang="tr-TR" dirty="0" smtClean="0"/>
+              <a:t>ROC</a:t>
+            </a:r>
+            <a:endParaRPr lang="en-US" dirty="0"/>
+          </a:p>
+        </p:txBody>
+      </p:sp>
+      <p:sp>
+        <p:nvSpPr>
+          <p:cNvPr id="7" name="Content Placeholder 2"/>
+          <p:cNvSpPr txBox="1">
+            <a:spLocks/>
+          </p:cNvSpPr>
+          <p:nvPr/>
+        </p:nvSpPr>
+        <p:spPr>
+          <a:xfrm>
+            <a:off x="1371600" y="2028305"/>
+            <a:ext cx="10820400" cy="972590"/>
+          </a:xfrm>
+          <a:prstGeom prst="rect">
+            <a:avLst/>
+          </a:prstGeom>
+        </p:spPr>
+        <p:txBody>
+          <a:bodyPr vert="horz" lIns="91440" tIns="45720" rIns="91440" bIns="45720" rtlCol="0">
+            <a:normAutofit fontScale="85000" lnSpcReduction="20000"/>
+          </a:bodyPr>
+          <a:lstStyle>
+            <a:lvl1pPr marL="384048" indent="-384048" algn="l" defTabSz="914400" rtl="0" eaLnBrk="1" latinLnBrk="0" hangingPunct="1">
+              <a:lnSpc>
+                <a:spcPct val="94000"/>
+              </a:lnSpc>
+              <a:spcBef>
+                <a:spcPts val="1000"/>
+              </a:spcBef>
+              <a:spcAft>
+                <a:spcPts val="200"/>
+              </a:spcAft>
+              <a:buFont typeface="Franklin Gothic Book" panose="020B0503020102020204" pitchFamily="34" charset="0"/>
+              <a:buChar char="■"/>
+              <a:defRPr sz="2000" kern="1200" baseline="0">
+                <a:solidFill>
+                  <a:schemeClr val="tx2"/>
+                </a:solidFill>
+                <a:latin typeface="+mn-lt"/>
+                <a:ea typeface="+mn-ea"/>
+                <a:cs typeface="+mn-cs"/>
+              </a:defRPr>
+            </a:lvl1pPr>
+            <a:lvl2pPr marL="914400" indent="-384048" algn="l" defTabSz="914400" rtl="0" eaLnBrk="1" latinLnBrk="0" hangingPunct="1">
+              <a:lnSpc>
+                <a:spcPct val="94000"/>
+              </a:lnSpc>
+              <a:spcBef>
+                <a:spcPts val="500"/>
+              </a:spcBef>
+              <a:spcAft>
+                <a:spcPts val="200"/>
+              </a:spcAft>
+              <a:buFont typeface="Franklin Gothic Book" panose="020B0503020102020204" pitchFamily="34" charset="0"/>
+              <a:buChar char="–"/>
+              <a:defRPr sz="2000" i="1" kern="1200" baseline="0">
+                <a:solidFill>
+                  <a:schemeClr val="tx2"/>
+                </a:solidFill>
+                <a:latin typeface="+mn-lt"/>
+                <a:ea typeface="+mn-ea"/>
+                <a:cs typeface="+mn-cs"/>
+              </a:defRPr>
+            </a:lvl2pPr>
+            <a:lvl3pPr marL="1371600" indent="-384048" algn="l" defTabSz="914400" rtl="0" eaLnBrk="1" latinLnBrk="0" hangingPunct="1">
+              <a:lnSpc>
+                <a:spcPct val="94000"/>
+              </a:lnSpc>
+              <a:spcBef>
+                <a:spcPts val="500"/>
+              </a:spcBef>
+              <a:spcAft>
+                <a:spcPts val="200"/>
+              </a:spcAft>
+              <a:buFont typeface="Franklin Gothic Book" panose="020B0503020102020204" pitchFamily="34" charset="0"/>
+              <a:buChar char="■"/>
+              <a:defRPr sz="1800" kern="1200" baseline="0">
+                <a:solidFill>
+                  <a:schemeClr val="tx2"/>
+                </a:solidFill>
+                <a:latin typeface="+mn-lt"/>
+                <a:ea typeface="+mn-ea"/>
+                <a:cs typeface="+mn-cs"/>
+              </a:defRPr>
+            </a:lvl3pPr>
+            <a:lvl4pPr marL="1828800" indent="-384048" algn="l" defTabSz="914400" rtl="0" eaLnBrk="1" latinLnBrk="0" hangingPunct="1">
+              <a:lnSpc>
+                <a:spcPct val="94000"/>
+              </a:lnSpc>
+              <a:spcBef>
+                <a:spcPts val="500"/>
+              </a:spcBef>
+              <a:spcAft>
+                <a:spcPts val="200"/>
+              </a:spcAft>
+              <a:buFont typeface="Franklin Gothic Book" panose="020B0503020102020204" pitchFamily="34" charset="0"/>
+              <a:buChar char="–"/>
+              <a:defRPr sz="1800" i="1" kern="1200" baseline="0">
+                <a:solidFill>
+                  <a:schemeClr val="tx2"/>
+                </a:solidFill>
+                <a:latin typeface="+mn-lt"/>
+                <a:ea typeface="+mn-ea"/>
+                <a:cs typeface="+mn-cs"/>
+              </a:defRPr>
+            </a:lvl4pPr>
+            <a:lvl5pPr marL="2286000" indent="-384048" algn="l" defTabSz="914400" rtl="0" eaLnBrk="1" latinLnBrk="0" hangingPunct="1">
+              <a:lnSpc>
+                <a:spcPct val="94000"/>
+              </a:lnSpc>
+              <a:spcBef>
+                <a:spcPts val="500"/>
+              </a:spcBef>
+              <a:spcAft>
+                <a:spcPts val="200"/>
+              </a:spcAft>
+              <a:buFont typeface="Franklin Gothic Book" panose="020B0503020102020204" pitchFamily="34" charset="0"/>
+              <a:buChar char="■"/>
+              <a:defRPr sz="1600" kern="1200" baseline="0">
+                <a:solidFill>
+                  <a:schemeClr val="tx2"/>
+                </a:solidFill>
+                <a:latin typeface="+mn-lt"/>
+                <a:ea typeface="+mn-ea"/>
+                <a:cs typeface="+mn-cs"/>
+              </a:defRPr>
+            </a:lvl5pPr>
+            <a:lvl6pPr marL="2743200" indent="-384048" algn="l" defTabSz="914400" rtl="0" eaLnBrk="1" latinLnBrk="0" hangingPunct="1">
+              <a:lnSpc>
+                <a:spcPct val="94000"/>
+              </a:lnSpc>
+              <a:spcBef>
+                <a:spcPts val="500"/>
+              </a:spcBef>
+              <a:spcAft>
+                <a:spcPts val="200"/>
+              </a:spcAft>
+              <a:buFont typeface="Franklin Gothic Book" panose="020B0503020102020204" pitchFamily="34" charset="0"/>
+              <a:buChar char="–"/>
+              <a:defRPr sz="1600" i="1" kern="1200" baseline="0">
+                <a:solidFill>
+                  <a:schemeClr val="tx2"/>
+                </a:solidFill>
+                <a:latin typeface="+mn-lt"/>
+                <a:ea typeface="+mn-ea"/>
+                <a:cs typeface="+mn-cs"/>
+              </a:defRPr>
+            </a:lvl6pPr>
+            <a:lvl7pPr marL="3200400" indent="-384048" algn="l" defTabSz="914400" rtl="0" eaLnBrk="1" latinLnBrk="0" hangingPunct="1">
+              <a:lnSpc>
+                <a:spcPct val="94000"/>
+              </a:lnSpc>
+              <a:spcBef>
+                <a:spcPts val="500"/>
+              </a:spcBef>
+              <a:spcAft>
+                <a:spcPts val="200"/>
+              </a:spcAft>
+              <a:buFont typeface="Franklin Gothic Book" panose="020B0503020102020204" pitchFamily="34" charset="0"/>
+              <a:buChar char="■"/>
+              <a:defRPr sz="1400" kern="1200" baseline="0">
+                <a:solidFill>
+                  <a:schemeClr val="tx2"/>
+                </a:solidFill>
+                <a:latin typeface="+mn-lt"/>
+                <a:ea typeface="+mn-ea"/>
+                <a:cs typeface="+mn-cs"/>
+              </a:defRPr>
+            </a:lvl7pPr>
+            <a:lvl8pPr marL="3657600" indent="-384048" algn="l" defTabSz="914400" rtl="0" eaLnBrk="1" latinLnBrk="0" hangingPunct="1">
+              <a:lnSpc>
+                <a:spcPct val="94000"/>
+              </a:lnSpc>
+              <a:spcBef>
+                <a:spcPts val="500"/>
+              </a:spcBef>
+              <a:spcAft>
+                <a:spcPts val="200"/>
+              </a:spcAft>
+              <a:buFont typeface="Franklin Gothic Book" panose="020B0503020102020204" pitchFamily="34" charset="0"/>
+              <a:buChar char="–"/>
+              <a:defRPr sz="1400" i="1" kern="1200" baseline="0">
+                <a:solidFill>
+                  <a:schemeClr val="tx2"/>
+                </a:solidFill>
+                <a:latin typeface="+mn-lt"/>
+                <a:ea typeface="+mn-ea"/>
+                <a:cs typeface="+mn-cs"/>
+              </a:defRPr>
+            </a:lvl8pPr>
+            <a:lvl9pPr marL="4114800" indent="-384048" algn="l" defTabSz="914400" rtl="0" eaLnBrk="1" latinLnBrk="0" hangingPunct="1">
+              <a:lnSpc>
+                <a:spcPct val="94000"/>
+              </a:lnSpc>
+              <a:spcBef>
+                <a:spcPts val="500"/>
+              </a:spcBef>
+              <a:spcAft>
+                <a:spcPts val="200"/>
+              </a:spcAft>
+              <a:buFont typeface="Franklin Gothic Book" panose="020B0503020102020204" pitchFamily="34" charset="0"/>
+              <a:buChar char="■"/>
+              <a:defRPr sz="1400" kern="1200" baseline="0">
+                <a:solidFill>
+                  <a:schemeClr val="tx2"/>
+                </a:solidFill>
+                <a:latin typeface="+mn-lt"/>
+                <a:ea typeface="+mn-ea"/>
+                <a:cs typeface="+mn-cs"/>
+              </a:defRPr>
+            </a:lvl9pPr>
+          </a:lstStyle>
+          <a:p>
+            <a:r>
+              <a:rPr lang="tr-TR" dirty="0" smtClean="0"/>
+              <a:t>Logistic Regression</a:t>
+            </a:r>
+          </a:p>
+          <a:p>
+            <a:pPr marL="0" indent="0">
+              <a:buNone/>
+            </a:pPr>
+            <a:endParaRPr lang="tr-TR" dirty="0"/>
+          </a:p>
+          <a:p>
+            <a:pPr marL="0" indent="0">
+              <a:buNone/>
+            </a:pPr>
+            <a:r>
+              <a:rPr lang="tr-TR" sz="1900" b="1" dirty="0" smtClean="0"/>
+              <a:t>                            </a:t>
+            </a:r>
+            <a:r>
+              <a:rPr lang="tr-TR" sz="1900" b="1" u="sng" dirty="0" smtClean="0"/>
+              <a:t>Class 0</a:t>
+            </a:r>
+            <a:r>
+              <a:rPr lang="tr-TR" sz="1900" b="1" dirty="0" smtClean="0"/>
+              <a:t>	</a:t>
+            </a:r>
+            <a:r>
+              <a:rPr lang="tr-TR" sz="1900" b="1" dirty="0"/>
+              <a:t> </a:t>
+            </a:r>
+            <a:r>
+              <a:rPr lang="tr-TR" sz="1900" b="1" dirty="0" smtClean="0"/>
+              <a:t>                                           </a:t>
+            </a:r>
+            <a:r>
+              <a:rPr lang="tr-TR" sz="1900" b="1" u="sng" dirty="0" smtClean="0"/>
+              <a:t>Class 1</a:t>
+            </a:r>
+            <a:r>
+              <a:rPr lang="tr-TR" sz="1900" b="1" dirty="0" smtClean="0"/>
+              <a:t>		</a:t>
+            </a:r>
+            <a:r>
+              <a:rPr lang="tr-TR" sz="1900" b="1" dirty="0"/>
+              <a:t>	</a:t>
+            </a:r>
+            <a:r>
+              <a:rPr lang="tr-TR" sz="1900" b="1" dirty="0" smtClean="0"/>
+              <a:t>         </a:t>
+            </a:r>
+            <a:r>
+              <a:rPr lang="tr-TR" sz="1900" b="1" u="sng" dirty="0" smtClean="0"/>
+              <a:t>Class 2</a:t>
+            </a:r>
+            <a:endParaRPr lang="en-US" sz="1900" b="1" u="sng" dirty="0"/>
+          </a:p>
+        </p:txBody>
+      </p:sp>
+      <p:pic>
+        <p:nvPicPr>
+          <p:cNvPr id="3" name="Picture 2"/>
+          <p:cNvPicPr>
+            <a:picLocks noChangeAspect="1"/>
+          </p:cNvPicPr>
+          <p:nvPr/>
+        </p:nvPicPr>
+        <p:blipFill rotWithShape="1">
+          <a:blip r:embed="rId2">
+            <a:extLst>
+              <a:ext uri="{28A0092B-C50C-407E-A947-70E740481C1C}">
+                <a14:useLocalDpi xmlns:a14="http://schemas.microsoft.com/office/drawing/2010/main" val="0"/>
+              </a:ext>
+            </a:extLst>
+          </a:blip>
+          <a:srcRect l="2418" t="-344" r="1803" b="344"/>
+          <a:stretch/>
+        </p:blipFill>
+        <p:spPr>
+          <a:xfrm>
+            <a:off x="1371600" y="3210339"/>
+            <a:ext cx="3291840" cy="2415749"/>
+          </a:xfrm>
+          <a:prstGeom prst="rect">
+            <a:avLst/>
+          </a:prstGeom>
+        </p:spPr>
+      </p:pic>
+      <p:pic>
+        <p:nvPicPr>
+          <p:cNvPr id="4" name="Picture 3"/>
+          <p:cNvPicPr>
+            <a:picLocks noChangeAspect="1"/>
+          </p:cNvPicPr>
+          <p:nvPr/>
+        </p:nvPicPr>
+        <p:blipFill rotWithShape="1">
+          <a:blip r:embed="rId3">
+            <a:extLst>
+              <a:ext uri="{28A0092B-C50C-407E-A947-70E740481C1C}">
+                <a14:useLocalDpi xmlns:a14="http://schemas.microsoft.com/office/drawing/2010/main" val="0"/>
+              </a:ext>
+            </a:extLst>
+          </a:blip>
+          <a:srcRect l="2498" r="2418"/>
+          <a:stretch/>
+        </p:blipFill>
+        <p:spPr>
+          <a:xfrm>
+            <a:off x="5071653" y="3252252"/>
+            <a:ext cx="3275215" cy="2331922"/>
+          </a:xfrm>
+          <a:prstGeom prst="rect">
+            <a:avLst/>
+          </a:prstGeom>
+        </p:spPr>
+      </p:pic>
+      <p:pic>
+        <p:nvPicPr>
+          <p:cNvPr id="5" name="Picture 4"/>
+          <p:cNvPicPr>
+            <a:picLocks noChangeAspect="1"/>
+          </p:cNvPicPr>
+          <p:nvPr/>
+        </p:nvPicPr>
+        <p:blipFill rotWithShape="1">
+          <a:blip r:embed="rId4">
+            <a:extLst>
+              <a:ext uri="{28A0092B-C50C-407E-A947-70E740481C1C}">
+                <a14:useLocalDpi xmlns:a14="http://schemas.microsoft.com/office/drawing/2010/main" val="0"/>
+              </a:ext>
+            </a:extLst>
+          </a:blip>
+          <a:srcRect l="2405" r="3724"/>
+          <a:stretch/>
+        </p:blipFill>
+        <p:spPr>
+          <a:xfrm>
+            <a:off x="8755082" y="3210339"/>
+            <a:ext cx="3283528" cy="2438611"/>
+          </a:xfrm>
+          <a:prstGeom prst="rect">
+            <a:avLst/>
+          </a:prstGeom>
+        </p:spPr>
+      </p:pic>
+    </p:spTree>
+    <p:extLst>
+      <p:ext uri="{BB962C8B-B14F-4D97-AF65-F5344CB8AC3E}">
+        <p14:creationId xmlns:p14="http://schemas.microsoft.com/office/powerpoint/2010/main" val="3843301523"/>
+      </p:ext>
+    </p:extLst>
+  </p:cSld>
+  <p:clrMapOvr>
+    <a:masterClrMapping/>
+  </p:clrMapOvr>
+  <p:timing>
+    <p:tnLst>
+      <p:par>
+        <p:cTn id="1" dur="indefinite" restart="never" nodeType="tmRoot"/>
+      </p:par>
+    </p:tnLst>
+  </p:timing>
+</p:sld>
+</file>
+
+<file path=ppt/slides/slide12.xml><?xml version="1.0" encoding="utf-8"?>
+<p:sld xmlns:a="http://schemas.openxmlformats.org/drawingml/2006/main" xmlns:r="http://schemas.openxmlformats.org/officeDocument/2006/relationships" xmlns:p="http://schemas.openxmlformats.org/presentationml/2006/main">
+  <p:cSld>
+    <p:spTree>
+      <p:nvGrpSpPr>
+        <p:cNvPr id="1" name=""/>
+        <p:cNvGrpSpPr/>
+        <p:nvPr/>
+      </p:nvGrpSpPr>
+      <p:grpSpPr>
+        <a:xfrm>
+          <a:off x="0" y="0"/>
+          <a:ext cx="0" cy="0"/>
+          <a:chOff x="0" y="0"/>
+          <a:chExt cx="0" cy="0"/>
+        </a:xfrm>
+      </p:grpSpPr>
+      <p:sp>
+        <p:nvSpPr>
+          <p:cNvPr id="2" name="Title 1"/>
+          <p:cNvSpPr>
+            <a:spLocks noGrp="1"/>
+          </p:cNvSpPr>
+          <p:nvPr>
+            <p:ph type="title"/>
+          </p:nvPr>
+        </p:nvSpPr>
         <p:spPr/>
         <p:txBody>
           <a:bodyPr/>
@@ -4474,7 +4908,7 @@
 </p:sld>
 </file>
 
-<file path=ppt/slides/slide12.xml><?xml version="1.0" encoding="utf-8"?>
+<file path=ppt/slides/slide13.xml><?xml version="1.0" encoding="utf-8"?>
 <p:sld xmlns:a="http://schemas.openxmlformats.org/drawingml/2006/main" xmlns:r="http://schemas.openxmlformats.org/officeDocument/2006/relationships" xmlns:p="http://schemas.openxmlformats.org/presentationml/2006/main">
   <p:cSld>
     <p:spTree>
@@ -4602,8 +5036,8 @@
           <a:lstStyle/>
           <a:p>
             <a:r>
-              <a:rPr lang="tr-TR" dirty="0" smtClean="0"/>
-              <a:t>Experiment</a:t>
+              <a:rPr lang="tr-TR" dirty="0" err="1" smtClean="0"/>
+              <a:t>Outline</a:t>
             </a:r>
             <a:endParaRPr lang="en-US" dirty="0"/>
           </a:p>
@@ -4611,264 +5045,88 @@
       </p:sp>
       <p:sp>
         <p:nvSpPr>
-          <p:cNvPr id="3" name="Content Placeholder 2"/>
-          <p:cNvSpPr>
-            <a:spLocks noGrp="1"/>
-          </p:cNvSpPr>
-          <p:nvPr>
-            <p:ph idx="1"/>
-          </p:nvPr>
-        </p:nvSpPr>
-        <p:spPr>
-          <a:xfrm>
-            <a:off x="1371600" y="2412769"/>
-            <a:ext cx="4372495" cy="3695700"/>
-          </a:xfrm>
-        </p:spPr>
-        <p:txBody>
-          <a:bodyPr>
-            <a:normAutofit fontScale="77500" lnSpcReduction="20000"/>
-          </a:bodyPr>
-          <a:lstStyle/>
-          <a:p>
-            <a:r>
-              <a:rPr lang="tr-TR" dirty="0" err="1" smtClean="0"/>
-              <a:t>Spliting</a:t>
-            </a:r>
-            <a:r>
-              <a:rPr lang="tr-TR" dirty="0" smtClean="0"/>
-              <a:t> </a:t>
-            </a:r>
-            <a:r>
-              <a:rPr lang="tr-TR" dirty="0" err="1" smtClean="0"/>
-              <a:t>up</a:t>
-            </a:r>
-            <a:r>
-              <a:rPr lang="tr-TR" dirty="0" smtClean="0"/>
-              <a:t> </a:t>
-            </a:r>
-            <a:r>
-              <a:rPr lang="tr-TR" dirty="0" err="1" smtClean="0"/>
-              <a:t>dataset</a:t>
-            </a:r>
-            <a:r>
-              <a:rPr lang="tr-TR" dirty="0" smtClean="0"/>
-              <a:t> </a:t>
-            </a:r>
-            <a:r>
-              <a:rPr lang="tr-TR" dirty="0" err="1" smtClean="0"/>
-              <a:t>into</a:t>
-            </a:r>
-            <a:r>
-              <a:rPr lang="tr-TR" dirty="0" smtClean="0"/>
-              <a:t> </a:t>
-            </a:r>
-            <a:r>
-              <a:rPr lang="tr-TR" dirty="0" err="1" smtClean="0"/>
-              <a:t>train</a:t>
-            </a:r>
-            <a:r>
-              <a:rPr lang="tr-TR" dirty="0" smtClean="0"/>
-              <a:t> </a:t>
-            </a:r>
-            <a:r>
-              <a:rPr lang="tr-TR" dirty="0" err="1" smtClean="0"/>
-              <a:t>and</a:t>
-            </a:r>
-            <a:r>
-              <a:rPr lang="tr-TR" dirty="0" smtClean="0"/>
-              <a:t> test </a:t>
-            </a:r>
-            <a:r>
-              <a:rPr lang="tr-TR" dirty="0" err="1" smtClean="0"/>
-              <a:t>sets</a:t>
-            </a:r>
-            <a:r>
-              <a:rPr lang="tr-TR" dirty="0" smtClean="0"/>
-              <a:t>.</a:t>
-            </a:r>
-          </a:p>
-          <a:p>
-            <a:r>
-              <a:rPr lang="tr-TR" dirty="0" smtClean="0"/>
-              <a:t>Using data</a:t>
-            </a:r>
-          </a:p>
-          <a:p>
-            <a:pPr lvl="1"/>
-            <a:r>
-              <a:rPr lang="tr-TR" dirty="0" err="1" smtClean="0"/>
-              <a:t>Raw</a:t>
-            </a:r>
-            <a:endParaRPr lang="tr-TR" dirty="0" smtClean="0"/>
-          </a:p>
-          <a:p>
-            <a:pPr lvl="1"/>
-            <a:r>
-              <a:rPr lang="tr-TR" dirty="0" smtClean="0"/>
-              <a:t>L1 </a:t>
-            </a:r>
-            <a:r>
-              <a:rPr lang="tr-TR" dirty="0" err="1" smtClean="0"/>
-              <a:t>normalization</a:t>
-            </a:r>
-            <a:endParaRPr lang="tr-TR" dirty="0" smtClean="0"/>
-          </a:p>
-          <a:p>
-            <a:pPr lvl="1"/>
-            <a:r>
-              <a:rPr lang="tr-TR" dirty="0" err="1" smtClean="0"/>
-              <a:t>Mean</a:t>
-            </a:r>
-            <a:r>
-              <a:rPr lang="tr-TR" dirty="0" smtClean="0"/>
-              <a:t> </a:t>
-            </a:r>
-            <a:r>
-              <a:rPr lang="tr-TR" dirty="0" err="1" smtClean="0"/>
-              <a:t>removal</a:t>
-            </a:r>
-            <a:r>
-              <a:rPr lang="tr-TR" dirty="0" smtClean="0"/>
-              <a:t> </a:t>
-            </a:r>
-            <a:endParaRPr lang="tr-TR" dirty="0"/>
-          </a:p>
-          <a:p>
-            <a:r>
-              <a:rPr lang="tr-TR" dirty="0" smtClean="0"/>
-              <a:t> </a:t>
-            </a:r>
-            <a:r>
-              <a:rPr lang="tr-TR" dirty="0" err="1" smtClean="0"/>
-              <a:t>Validation</a:t>
-            </a:r>
-            <a:endParaRPr lang="tr-TR" dirty="0" smtClean="0"/>
-          </a:p>
-          <a:p>
-            <a:pPr lvl="1"/>
-            <a:r>
-              <a:rPr lang="tr-TR" dirty="0" err="1" smtClean="0"/>
-              <a:t>Random</a:t>
-            </a:r>
-            <a:r>
-              <a:rPr lang="tr-TR" dirty="0" smtClean="0"/>
-              <a:t> 1-hold </a:t>
-            </a:r>
-            <a:r>
-              <a:rPr lang="tr-TR" dirty="0" err="1" smtClean="0"/>
-              <a:t>out</a:t>
-            </a:r>
-            <a:endParaRPr lang="tr-TR" dirty="0" smtClean="0"/>
-          </a:p>
-          <a:p>
-            <a:pPr lvl="1"/>
-            <a:r>
-              <a:rPr lang="tr-TR" dirty="0" err="1" smtClean="0"/>
-              <a:t>Stratified</a:t>
-            </a:r>
-            <a:r>
-              <a:rPr lang="tr-TR" dirty="0" smtClean="0"/>
-              <a:t> 1-hold </a:t>
-            </a:r>
-            <a:r>
-              <a:rPr lang="tr-TR" dirty="0" err="1" smtClean="0"/>
-              <a:t>out</a:t>
-            </a:r>
-            <a:endParaRPr lang="tr-TR" dirty="0" smtClean="0"/>
-          </a:p>
-          <a:p>
-            <a:pPr lvl="1"/>
-            <a:r>
-              <a:rPr lang="tr-TR" dirty="0" smtClean="0"/>
-              <a:t>5-Fold</a:t>
-            </a:r>
-          </a:p>
-          <a:p>
-            <a:pPr lvl="1"/>
-            <a:r>
-              <a:rPr lang="tr-TR" dirty="0" smtClean="0"/>
-              <a:t>10-Fold</a:t>
-            </a:r>
-          </a:p>
-          <a:p>
-            <a:r>
-              <a:rPr lang="tr-TR" dirty="0"/>
-              <a:t> </a:t>
-            </a:r>
-            <a:r>
-              <a:rPr lang="tr-TR" dirty="0" err="1" smtClean="0"/>
-              <a:t>Predictor</a:t>
-            </a:r>
-            <a:r>
-              <a:rPr lang="tr-TR" dirty="0" smtClean="0"/>
-              <a:t> model</a:t>
-            </a:r>
-          </a:p>
-          <a:p>
-            <a:pPr lvl="1"/>
-            <a:r>
-              <a:rPr lang="tr-TR" dirty="0" err="1" smtClean="0"/>
-              <a:t>Linear</a:t>
-            </a:r>
-            <a:r>
-              <a:rPr lang="tr-TR" dirty="0" smtClean="0"/>
-              <a:t> </a:t>
-            </a:r>
-            <a:r>
-              <a:rPr lang="tr-TR" dirty="0" err="1" smtClean="0"/>
-              <a:t>regression</a:t>
-            </a:r>
-            <a:endParaRPr lang="tr-TR" dirty="0" smtClean="0"/>
-          </a:p>
-          <a:p>
-            <a:pPr lvl="1"/>
-            <a:r>
-              <a:rPr lang="tr-TR" dirty="0" smtClean="0"/>
-              <a:t>Logistic </a:t>
-            </a:r>
-            <a:r>
-              <a:rPr lang="tr-TR" dirty="0" err="1" smtClean="0"/>
-              <a:t>regression</a:t>
-            </a:r>
-            <a:endParaRPr lang="tr-TR" dirty="0" smtClean="0"/>
-          </a:p>
-        </p:txBody>
-      </p:sp>
-      <p:pic>
-        <p:nvPicPr>
-          <p:cNvPr id="6" name="Picture 5"/>
-          <p:cNvPicPr>
-            <a:picLocks noChangeAspect="1"/>
-          </p:cNvPicPr>
+          <p:cNvPr id="4" name="TextBox 3"/>
+          <p:cNvSpPr txBox="1"/>
           <p:nvPr/>
-        </p:nvPicPr>
-        <p:blipFill>
-          <a:blip r:embed="rId2">
-            <a:extLst>
-              <a:ext uri="{28A0092B-C50C-407E-A947-70E740481C1C}">
-                <a14:useLocalDpi xmlns:a14="http://schemas.microsoft.com/office/drawing/2010/main" val="0"/>
-              </a:ext>
-            </a:extLst>
-          </a:blip>
-          <a:stretch>
-            <a:fillRect/>
-          </a:stretch>
-        </p:blipFill>
-        <p:spPr>
-          <a:xfrm>
-            <a:off x="5744095" y="3806482"/>
-            <a:ext cx="5867908" cy="609653"/>
+        </p:nvSpPr>
+        <p:spPr>
+          <a:xfrm>
+            <a:off x="1371600" y="2171700"/>
+            <a:ext cx="6018415" cy="2246769"/>
           </a:xfrm>
           <a:prstGeom prst="rect">
             <a:avLst/>
           </a:prstGeom>
-        </p:spPr>
-      </p:pic>
+          <a:noFill/>
+        </p:spPr>
+        <p:txBody>
+          <a:bodyPr wrap="square" rtlCol="0">
+            <a:spAutoFit/>
+          </a:bodyPr>
+          <a:lstStyle/>
+          <a:p>
+            <a:pPr marL="457200" indent="-457200">
+              <a:buFont typeface="Wingdings" panose="05000000000000000000" pitchFamily="2" charset="2"/>
+              <a:buChar char="§"/>
+            </a:pPr>
+            <a:r>
+              <a:rPr lang="tr-TR" sz="2800" dirty="0" smtClean="0"/>
+              <a:t>Experiment</a:t>
+            </a:r>
+          </a:p>
+          <a:p>
+            <a:pPr marL="457200" indent="-457200">
+              <a:buFont typeface="Wingdings" panose="05000000000000000000" pitchFamily="2" charset="2"/>
+              <a:buChar char="§"/>
+            </a:pPr>
+            <a:r>
+              <a:rPr lang="tr-TR" sz="2800" dirty="0" smtClean="0"/>
+              <a:t>Final </a:t>
+            </a:r>
+            <a:r>
+              <a:rPr lang="tr-TR" sz="2800" dirty="0"/>
+              <a:t>M</a:t>
+            </a:r>
+            <a:r>
+              <a:rPr lang="tr-TR" sz="2800" dirty="0" smtClean="0"/>
+              <a:t>odel</a:t>
+            </a:r>
+            <a:endParaRPr lang="tr-TR" sz="2800" dirty="0" smtClean="0"/>
+          </a:p>
+          <a:p>
+            <a:pPr marL="457200" indent="-457200">
+              <a:buFont typeface="Wingdings" panose="05000000000000000000" pitchFamily="2" charset="2"/>
+              <a:buChar char="§"/>
+            </a:pPr>
+            <a:r>
+              <a:rPr lang="tr-TR" sz="2800" dirty="0" smtClean="0"/>
+              <a:t>ROC</a:t>
+            </a:r>
+          </a:p>
+          <a:p>
+            <a:pPr marL="457200" indent="-457200">
+              <a:buFont typeface="Wingdings" panose="05000000000000000000" pitchFamily="2" charset="2"/>
+              <a:buChar char="§"/>
+            </a:pPr>
+            <a:r>
+              <a:rPr lang="tr-TR" sz="2800" dirty="0" err="1" smtClean="0"/>
+              <a:t>Conclusion</a:t>
+            </a:r>
+            <a:endParaRPr lang="tr-TR" sz="2800" dirty="0" smtClean="0"/>
+          </a:p>
+          <a:p>
+            <a:pPr marL="457200" indent="-457200">
+              <a:buFont typeface="Wingdings" panose="05000000000000000000" pitchFamily="2" charset="2"/>
+              <a:buChar char="§"/>
+            </a:pPr>
+            <a:endParaRPr lang="en-US" sz="2800" dirty="0"/>
+          </a:p>
+        </p:txBody>
+      </p:sp>
     </p:spTree>
     <p:extLst>
       <p:ext uri="{BB962C8B-B14F-4D97-AF65-F5344CB8AC3E}">
-        <p14:creationId xmlns:p14="http://schemas.microsoft.com/office/powerpoint/2010/main" val="467833700"/>
+        <p14:creationId xmlns:p14="http://schemas.microsoft.com/office/powerpoint/2010/main" val="3684658817"/>
       </p:ext>
     </p:extLst>
   </p:cSld>
@@ -4925,15 +5183,241 @@
           </a:p>
         </p:txBody>
       </p:sp>
+      <p:sp>
+        <p:nvSpPr>
+          <p:cNvPr id="3" name="Content Placeholder 2"/>
+          <p:cNvSpPr>
+            <a:spLocks noGrp="1"/>
+          </p:cNvSpPr>
+          <p:nvPr>
+            <p:ph idx="1"/>
+          </p:nvPr>
+        </p:nvSpPr>
+        <p:spPr>
+          <a:xfrm>
+            <a:off x="1371600" y="2412769"/>
+            <a:ext cx="4372495" cy="3695700"/>
+          </a:xfrm>
+        </p:spPr>
+        <p:txBody>
+          <a:bodyPr>
+            <a:normAutofit fontScale="77500" lnSpcReduction="20000"/>
+          </a:bodyPr>
+          <a:lstStyle/>
+          <a:p>
+            <a:r>
+              <a:rPr lang="tr-TR" dirty="0" err="1" smtClean="0"/>
+              <a:t>Spliting</a:t>
+            </a:r>
+            <a:r>
+              <a:rPr lang="tr-TR" dirty="0" smtClean="0"/>
+              <a:t> </a:t>
+            </a:r>
+            <a:r>
+              <a:rPr lang="tr-TR" dirty="0" err="1" smtClean="0"/>
+              <a:t>up</a:t>
+            </a:r>
+            <a:r>
+              <a:rPr lang="tr-TR" dirty="0" smtClean="0"/>
+              <a:t> </a:t>
+            </a:r>
+            <a:r>
+              <a:rPr lang="tr-TR" dirty="0" err="1" smtClean="0"/>
+              <a:t>dataset</a:t>
+            </a:r>
+            <a:r>
+              <a:rPr lang="tr-TR" dirty="0" smtClean="0"/>
+              <a:t> </a:t>
+            </a:r>
+            <a:r>
+              <a:rPr lang="tr-TR" dirty="0" err="1" smtClean="0"/>
+              <a:t>into</a:t>
+            </a:r>
+            <a:r>
+              <a:rPr lang="tr-TR" dirty="0" smtClean="0"/>
+              <a:t> </a:t>
+            </a:r>
+            <a:r>
+              <a:rPr lang="tr-TR" dirty="0" err="1" smtClean="0"/>
+              <a:t>train</a:t>
+            </a:r>
+            <a:r>
+              <a:rPr lang="tr-TR" dirty="0" smtClean="0"/>
+              <a:t> </a:t>
+            </a:r>
+            <a:r>
+              <a:rPr lang="tr-TR" dirty="0" err="1" smtClean="0"/>
+              <a:t>and</a:t>
+            </a:r>
+            <a:r>
+              <a:rPr lang="tr-TR" dirty="0" smtClean="0"/>
+              <a:t> test </a:t>
+            </a:r>
+            <a:r>
+              <a:rPr lang="tr-TR" dirty="0" err="1" smtClean="0"/>
+              <a:t>sets</a:t>
+            </a:r>
+            <a:r>
+              <a:rPr lang="tr-TR" dirty="0" smtClean="0"/>
+              <a:t>.</a:t>
+            </a:r>
+          </a:p>
+          <a:p>
+            <a:r>
+              <a:rPr lang="tr-TR" dirty="0" smtClean="0"/>
+              <a:t>Using data</a:t>
+            </a:r>
+          </a:p>
+          <a:p>
+            <a:pPr lvl="1"/>
+            <a:r>
+              <a:rPr lang="tr-TR" dirty="0" err="1" smtClean="0"/>
+              <a:t>Raw</a:t>
+            </a:r>
+            <a:endParaRPr lang="tr-TR" dirty="0" smtClean="0"/>
+          </a:p>
+          <a:p>
+            <a:pPr lvl="1"/>
+            <a:r>
+              <a:rPr lang="tr-TR" dirty="0" smtClean="0"/>
+              <a:t>L1 </a:t>
+            </a:r>
+            <a:r>
+              <a:rPr lang="tr-TR" dirty="0" err="1" smtClean="0"/>
+              <a:t>normalization</a:t>
+            </a:r>
+            <a:endParaRPr lang="tr-TR" dirty="0" smtClean="0"/>
+          </a:p>
+          <a:p>
+            <a:pPr lvl="1"/>
+            <a:r>
+              <a:rPr lang="tr-TR" dirty="0" err="1" smtClean="0"/>
+              <a:t>Mean</a:t>
+            </a:r>
+            <a:r>
+              <a:rPr lang="tr-TR" dirty="0" smtClean="0"/>
+              <a:t> </a:t>
+            </a:r>
+            <a:r>
+              <a:rPr lang="tr-TR" dirty="0" err="1" smtClean="0"/>
+              <a:t>removal</a:t>
+            </a:r>
+            <a:r>
+              <a:rPr lang="tr-TR" dirty="0" smtClean="0"/>
+              <a:t> </a:t>
+            </a:r>
+            <a:endParaRPr lang="tr-TR" dirty="0"/>
+          </a:p>
+          <a:p>
+            <a:r>
+              <a:rPr lang="tr-TR" dirty="0" smtClean="0"/>
+              <a:t> </a:t>
+            </a:r>
+            <a:r>
+              <a:rPr lang="tr-TR" dirty="0" err="1" smtClean="0"/>
+              <a:t>Validation</a:t>
+            </a:r>
+            <a:endParaRPr lang="tr-TR" dirty="0" smtClean="0"/>
+          </a:p>
+          <a:p>
+            <a:pPr lvl="1"/>
+            <a:r>
+              <a:rPr lang="tr-TR" dirty="0" err="1" smtClean="0"/>
+              <a:t>Random</a:t>
+            </a:r>
+            <a:r>
+              <a:rPr lang="tr-TR" dirty="0" smtClean="0"/>
+              <a:t> 1-hold </a:t>
+            </a:r>
+            <a:r>
+              <a:rPr lang="tr-TR" dirty="0" err="1" smtClean="0"/>
+              <a:t>out</a:t>
+            </a:r>
+            <a:endParaRPr lang="tr-TR" dirty="0" smtClean="0"/>
+          </a:p>
+          <a:p>
+            <a:pPr lvl="1"/>
+            <a:r>
+              <a:rPr lang="tr-TR" dirty="0" err="1" smtClean="0"/>
+              <a:t>Stratified</a:t>
+            </a:r>
+            <a:r>
+              <a:rPr lang="tr-TR" dirty="0" smtClean="0"/>
+              <a:t> 1-hold </a:t>
+            </a:r>
+            <a:r>
+              <a:rPr lang="tr-TR" dirty="0" err="1" smtClean="0"/>
+              <a:t>out</a:t>
+            </a:r>
+            <a:endParaRPr lang="tr-TR" dirty="0" smtClean="0"/>
+          </a:p>
+          <a:p>
+            <a:pPr lvl="1"/>
+            <a:r>
+              <a:rPr lang="tr-TR" dirty="0" smtClean="0"/>
+              <a:t>5-Fold</a:t>
+            </a:r>
+          </a:p>
+          <a:p>
+            <a:pPr lvl="1"/>
+            <a:r>
+              <a:rPr lang="tr-TR" dirty="0" smtClean="0"/>
+              <a:t>10-Fold</a:t>
+            </a:r>
+          </a:p>
+          <a:p>
+            <a:r>
+              <a:rPr lang="tr-TR" dirty="0"/>
+              <a:t> </a:t>
+            </a:r>
+            <a:r>
+              <a:rPr lang="tr-TR" dirty="0" err="1" smtClean="0"/>
+              <a:t>Predictor</a:t>
+            </a:r>
+            <a:r>
+              <a:rPr lang="tr-TR" dirty="0" smtClean="0"/>
+              <a:t> model</a:t>
+            </a:r>
+          </a:p>
+          <a:p>
+            <a:pPr lvl="1"/>
+            <a:r>
+              <a:rPr lang="tr-TR" dirty="0" err="1" smtClean="0"/>
+              <a:t>Linear</a:t>
+            </a:r>
+            <a:r>
+              <a:rPr lang="tr-TR" dirty="0" smtClean="0"/>
+              <a:t> </a:t>
+            </a:r>
+            <a:r>
+              <a:rPr lang="tr-TR" dirty="0" err="1" smtClean="0"/>
+              <a:t>regression</a:t>
+            </a:r>
+            <a:endParaRPr lang="tr-TR" dirty="0" smtClean="0"/>
+          </a:p>
+          <a:p>
+            <a:pPr lvl="1"/>
+            <a:r>
+              <a:rPr lang="tr-TR" dirty="0" smtClean="0"/>
+              <a:t>Logistic </a:t>
+            </a:r>
+            <a:r>
+              <a:rPr lang="tr-TR" dirty="0" err="1" smtClean="0"/>
+              <a:t>regression</a:t>
+            </a:r>
+            <a:endParaRPr lang="tr-TR" dirty="0" smtClean="0"/>
+          </a:p>
+        </p:txBody>
+      </p:sp>
       <p:pic>
         <p:nvPicPr>
-          <p:cNvPr id="5" name="Picture 4"/>
+          <p:cNvPr id="6" name="Picture 5"/>
           <p:cNvPicPr>
             <a:picLocks noChangeAspect="1"/>
           </p:cNvPicPr>
           <p:nvPr/>
         </p:nvPicPr>
-        <p:blipFill rotWithShape="1">
+        <p:blipFill>
           <a:blip r:embed="rId2">
             <a:extLst>
               <a:ext uri="{28A0092B-C50C-407E-A947-70E740481C1C}">
@@ -4941,88 +5425,14 @@
               </a:ext>
             </a:extLst>
           </a:blip>
-          <a:srcRect l="4032" t="8757" r="2797" b="3888"/>
-          <a:stretch/>
+          <a:stretch>
+            <a:fillRect/>
+          </a:stretch>
         </p:blipFill>
         <p:spPr>
           <a:xfrm>
-            <a:off x="1645921" y="3266898"/>
-            <a:ext cx="5744094" cy="1637608"/>
-          </a:xfrm>
-          <a:prstGeom prst="rect">
-            <a:avLst/>
-          </a:prstGeom>
-        </p:spPr>
-      </p:pic>
-      <p:sp>
-        <p:nvSpPr>
-          <p:cNvPr id="6" name="TextBox 5"/>
-          <p:cNvSpPr txBox="1"/>
-          <p:nvPr/>
-        </p:nvSpPr>
-        <p:spPr>
-          <a:xfrm>
-            <a:off x="1371600" y="1648480"/>
-            <a:ext cx="6018415" cy="523220"/>
-          </a:xfrm>
-          <a:prstGeom prst="rect">
-            <a:avLst/>
-          </a:prstGeom>
-          <a:noFill/>
-        </p:spPr>
-        <p:txBody>
-          <a:bodyPr wrap="square" rtlCol="0">
-            <a:spAutoFit/>
-          </a:bodyPr>
-          <a:lstStyle/>
-          <a:p>
-            <a:pPr marL="457200" indent="-457200">
-              <a:buFont typeface="Wingdings" panose="05000000000000000000" pitchFamily="2" charset="2"/>
-              <a:buChar char="§"/>
-            </a:pPr>
-            <a:r>
-              <a:rPr lang="en-US" sz="2800" dirty="0" smtClean="0"/>
-              <a:t>Logistic</a:t>
-            </a:r>
-            <a:r>
-              <a:rPr lang="tr-TR" sz="2800" dirty="0" smtClean="0"/>
-              <a:t> Regression</a:t>
-            </a:r>
-            <a:r>
-              <a:rPr lang="tr-TR" sz="2800" dirty="0"/>
-              <a:t> </a:t>
-            </a:r>
-            <a:r>
-              <a:rPr lang="tr-TR" sz="2800" dirty="0" smtClean="0"/>
-              <a:t>Accuracies</a:t>
-            </a:r>
-            <a:endParaRPr lang="en-US" sz="2800" dirty="0"/>
-          </a:p>
-        </p:txBody>
-      </p:sp>
-      <p:pic>
-        <p:nvPicPr>
-          <p:cNvPr id="7" name="Picture 6"/>
-          <p:cNvPicPr>
-            <a:picLocks noChangeAspect="1"/>
-          </p:cNvPicPr>
-          <p:nvPr/>
-        </p:nvPicPr>
-        <p:blipFill rotWithShape="1">
-          <a:blip r:embed="rId3">
-            <a:extLst>
-              <a:ext uri="{28A0092B-C50C-407E-A947-70E740481C1C}">
-                <a14:useLocalDpi xmlns:a14="http://schemas.microsoft.com/office/drawing/2010/main" val="0"/>
-              </a:ext>
-            </a:extLst>
-          </a:blip>
-          <a:srcRect r="6176"/>
-          <a:stretch/>
-        </p:blipFill>
-        <p:spPr>
-          <a:xfrm>
-            <a:off x="8225201" y="2809698"/>
-            <a:ext cx="3021919" cy="2552007"/>
+            <a:off x="5744095" y="3806482"/>
+            <a:ext cx="5867908" cy="609653"/>
           </a:xfrm>
           <a:prstGeom prst="rect">
             <a:avLst/>
@@ -5032,7 +5442,7 @@
     </p:spTree>
     <p:extLst>
       <p:ext uri="{BB962C8B-B14F-4D97-AF65-F5344CB8AC3E}">
-        <p14:creationId xmlns:p14="http://schemas.microsoft.com/office/powerpoint/2010/main" val="2950072354"/>
+        <p14:creationId xmlns:p14="http://schemas.microsoft.com/office/powerpoint/2010/main" val="467833700"/>
       </p:ext>
     </p:extLst>
   </p:cSld>
@@ -5091,7 +5501,7 @@
       </p:sp>
       <p:pic>
         <p:nvPicPr>
-          <p:cNvPr id="4" name="Picture 3"/>
+          <p:cNvPr id="5" name="Picture 4"/>
           <p:cNvPicPr>
             <a:picLocks noChangeAspect="1"/>
           </p:cNvPicPr>
@@ -5105,13 +5515,13 @@
               </a:ext>
             </a:extLst>
           </a:blip>
-          <a:srcRect l="4682" t="7681" r="3732" b="4059"/>
+          <a:srcRect l="4032" t="8757" r="2797" b="3888"/>
           <a:stretch/>
         </p:blipFill>
         <p:spPr>
           <a:xfrm>
-            <a:off x="1645919" y="3275214"/>
-            <a:ext cx="5744096" cy="1620982"/>
+            <a:off x="1645921" y="3266898"/>
+            <a:ext cx="5744094" cy="1637608"/>
           </a:xfrm>
           <a:prstGeom prst="rect">
             <a:avLst/>
@@ -5166,13 +5576,13 @@
       </p:sp>
       <p:pic>
         <p:nvPicPr>
-          <p:cNvPr id="3" name="Picture 2"/>
+          <p:cNvPr id="7" name="Picture 6"/>
           <p:cNvPicPr>
             <a:picLocks noChangeAspect="1"/>
           </p:cNvPicPr>
           <p:nvPr/>
         </p:nvPicPr>
-        <p:blipFill>
+        <p:blipFill rotWithShape="1">
           <a:blip r:embed="rId3">
             <a:extLst>
               <a:ext uri="{28A0092B-C50C-407E-A947-70E740481C1C}">
@@ -5180,14 +5590,13 @@
               </a:ext>
             </a:extLst>
           </a:blip>
-          <a:stretch>
-            <a:fillRect/>
-          </a:stretch>
+          <a:srcRect r="6176"/>
+          <a:stretch/>
         </p:blipFill>
         <p:spPr>
           <a:xfrm>
-            <a:off x="8212744" y="2810153"/>
-            <a:ext cx="3009438" cy="2551104"/>
+            <a:off x="8225201" y="2809698"/>
+            <a:ext cx="3021919" cy="2552007"/>
           </a:xfrm>
           <a:prstGeom prst="rect">
             <a:avLst/>
@@ -5197,7 +5606,7 @@
     </p:spTree>
     <p:extLst>
       <p:ext uri="{BB962C8B-B14F-4D97-AF65-F5344CB8AC3E}">
-        <p14:creationId xmlns:p14="http://schemas.microsoft.com/office/powerpoint/2010/main" val="1183099523"/>
+        <p14:creationId xmlns:p14="http://schemas.microsoft.com/office/powerpoint/2010/main" val="2950072354"/>
       </p:ext>
     </p:extLst>
   </p:cSld>
@@ -5248,68 +5657,7 @@
           <a:p>
             <a:r>
               <a:rPr lang="tr-TR" dirty="0" smtClean="0"/>
-              <a:t>Final Model</a:t>
-            </a:r>
-            <a:endParaRPr lang="en-US" dirty="0"/>
-          </a:p>
-        </p:txBody>
-      </p:sp>
-      <p:sp>
-        <p:nvSpPr>
-          <p:cNvPr id="3" name="Content Placeholder 2"/>
-          <p:cNvSpPr>
-            <a:spLocks noGrp="1"/>
-          </p:cNvSpPr>
-          <p:nvPr>
-            <p:ph idx="1"/>
-          </p:nvPr>
-        </p:nvSpPr>
-        <p:spPr>
-          <a:xfrm>
-            <a:off x="1371600" y="2493819"/>
-            <a:ext cx="9601200" cy="3581400"/>
-          </a:xfrm>
-        </p:spPr>
-        <p:txBody>
-          <a:bodyPr/>
-          <a:lstStyle/>
-          <a:p>
-            <a:r>
-              <a:rPr lang="tr-TR" dirty="0" err="1" smtClean="0"/>
-              <a:t>Raw</a:t>
-            </a:r>
-            <a:r>
-              <a:rPr lang="tr-TR" dirty="0" smtClean="0"/>
-              <a:t> data</a:t>
-            </a:r>
-          </a:p>
-          <a:p>
-            <a:r>
-              <a:rPr lang="tr-TR" dirty="0" err="1" smtClean="0"/>
-              <a:t>Stratified</a:t>
-            </a:r>
-            <a:r>
-              <a:rPr lang="tr-TR" dirty="0" smtClean="0"/>
-              <a:t> 1-hold </a:t>
-            </a:r>
-            <a:r>
-              <a:rPr lang="tr-TR" dirty="0" err="1" smtClean="0"/>
-              <a:t>out</a:t>
-            </a:r>
-            <a:endParaRPr lang="tr-TR" dirty="0" smtClean="0"/>
-          </a:p>
-          <a:p>
-            <a:r>
-              <a:rPr lang="tr-TR" dirty="0" err="1" smtClean="0"/>
-              <a:t>Linear</a:t>
-            </a:r>
-            <a:r>
-              <a:rPr lang="tr-TR" dirty="0" smtClean="0"/>
-              <a:t> </a:t>
-            </a:r>
-            <a:r>
-              <a:rPr lang="tr-TR" dirty="0" err="1" smtClean="0"/>
-              <a:t>regression</a:t>
+              <a:t>Experiment</a:t>
             </a:r>
             <a:endParaRPr lang="en-US" dirty="0"/>
           </a:p>
@@ -5317,13 +5665,13 @@
       </p:sp>
       <p:pic>
         <p:nvPicPr>
-          <p:cNvPr id="4" name="Content Placeholder 3"/>
+          <p:cNvPr id="4" name="Picture 3"/>
           <p:cNvPicPr>
             <a:picLocks noChangeAspect="1"/>
           </p:cNvPicPr>
           <p:nvPr/>
         </p:nvPicPr>
-        <p:blipFill>
+        <p:blipFill rotWithShape="1">
           <a:blip r:embed="rId2">
             <a:extLst>
               <a:ext uri="{28A0092B-C50C-407E-A947-70E740481C1C}">
@@ -5331,23 +5679,72 @@
               </a:ext>
             </a:extLst>
           </a:blip>
-          <a:stretch>
-            <a:fillRect/>
-          </a:stretch>
+          <a:srcRect l="4682" t="7681" r="3732" b="4059"/>
+          <a:stretch/>
         </p:blipFill>
         <p:spPr>
           <a:xfrm>
-            <a:off x="5261705" y="3727224"/>
-            <a:ext cx="5837426" cy="693480"/>
+            <a:off x="1645919" y="3275214"/>
+            <a:ext cx="5744096" cy="1620982"/>
           </a:xfrm>
           <a:prstGeom prst="rect">
             <a:avLst/>
           </a:prstGeom>
         </p:spPr>
       </p:pic>
+      <p:sp>
+        <p:nvSpPr>
+          <p:cNvPr id="6" name="TextBox 5"/>
+          <p:cNvSpPr txBox="1"/>
+          <p:nvPr/>
+        </p:nvSpPr>
+        <p:spPr>
+          <a:xfrm>
+            <a:off x="1371600" y="1648480"/>
+            <a:ext cx="6018415" cy="523220"/>
+          </a:xfrm>
+          <a:prstGeom prst="rect">
+            <a:avLst/>
+          </a:prstGeom>
+          <a:noFill/>
+        </p:spPr>
+        <p:txBody>
+          <a:bodyPr wrap="square" rtlCol="0">
+            <a:spAutoFit/>
+          </a:bodyPr>
+          <a:lstStyle/>
+          <a:p>
+            <a:pPr marL="457200" indent="-457200">
+              <a:buFont typeface="Wingdings" panose="05000000000000000000" pitchFamily="2" charset="2"/>
+              <a:buChar char="§"/>
+            </a:pPr>
+            <a:r>
+              <a:rPr lang="en-US" sz="2800" dirty="0" smtClean="0"/>
+              <a:t>L</a:t>
+            </a:r>
+            <a:r>
+              <a:rPr lang="tr-TR" sz="2800" dirty="0" err="1" smtClean="0"/>
+              <a:t>inear</a:t>
+            </a:r>
+            <a:r>
+              <a:rPr lang="tr-TR" sz="2800" dirty="0" smtClean="0"/>
+              <a:t> Regression</a:t>
+            </a:r>
+            <a:r>
+              <a:rPr lang="tr-TR" sz="2800" dirty="0"/>
+              <a:t> </a:t>
+            </a:r>
+            <a:r>
+              <a:rPr lang="tr-TR" sz="2800" dirty="0" smtClean="0"/>
+              <a:t>Accuracies</a:t>
+            </a:r>
+            <a:endParaRPr lang="en-US" sz="2800" dirty="0"/>
+          </a:p>
+        </p:txBody>
+      </p:sp>
       <p:pic>
         <p:nvPicPr>
-          <p:cNvPr id="5" name="Picture 4"/>
+          <p:cNvPr id="3" name="Picture 2"/>
           <p:cNvPicPr>
             <a:picLocks noChangeAspect="1"/>
           </p:cNvPicPr>
@@ -5367,8 +5764,8 @@
         </p:blipFill>
         <p:spPr>
           <a:xfrm>
-            <a:off x="5261705" y="2065686"/>
-            <a:ext cx="5791702" cy="594412"/>
+            <a:off x="8212744" y="2810153"/>
+            <a:ext cx="3009438" cy="2551104"/>
           </a:xfrm>
           <a:prstGeom prst="rect">
             <a:avLst/>
@@ -5378,7 +5775,7 @@
     </p:spTree>
     <p:extLst>
       <p:ext uri="{BB962C8B-B14F-4D97-AF65-F5344CB8AC3E}">
-        <p14:creationId xmlns:p14="http://schemas.microsoft.com/office/powerpoint/2010/main" val="3598588750"/>
+        <p14:creationId xmlns:p14="http://schemas.microsoft.com/office/powerpoint/2010/main" val="1183099523"/>
       </p:ext>
     </p:extLst>
   </p:cSld>
@@ -5422,12 +5819,7 @@
             <p:ph type="title"/>
           </p:nvPr>
         </p:nvSpPr>
-        <p:spPr>
-          <a:xfrm>
-            <a:off x="1371600" y="685800"/>
-            <a:ext cx="9601200" cy="968433"/>
-          </a:xfrm>
-        </p:spPr>
+        <p:spPr/>
         <p:txBody>
           <a:bodyPr/>
           <a:lstStyle/>
@@ -5452,8 +5844,8 @@
         </p:nvSpPr>
         <p:spPr>
           <a:xfrm>
-            <a:off x="1371600" y="2028305"/>
-            <a:ext cx="9601200" cy="631767"/>
+            <a:off x="1371600" y="2493819"/>
+            <a:ext cx="9601200" cy="3581400"/>
           </a:xfrm>
         </p:spPr>
         <p:txBody>
@@ -5462,19 +5854,40 @@
           <a:p>
             <a:r>
               <a:rPr lang="tr-TR" dirty="0" err="1" smtClean="0"/>
-              <a:t>Prediction</a:t>
+              <a:t>Raw</a:t>
             </a:r>
             <a:r>
               <a:rPr lang="tr-TR" dirty="0" smtClean="0"/>
-              <a:t> of [</a:t>
-            </a:r>
-            <a:r>
-              <a:rPr lang="en-US" dirty="0" smtClean="0"/>
-              <a:t>6 </a:t>
-            </a:r>
-            <a:r>
-              <a:rPr lang="en-US" dirty="0"/>
-              <a:t>3 5 1.5]</a:t>
+              <a:t> data</a:t>
+            </a:r>
+          </a:p>
+          <a:p>
+            <a:r>
+              <a:rPr lang="tr-TR" dirty="0" err="1" smtClean="0"/>
+              <a:t>Stratified</a:t>
+            </a:r>
+            <a:r>
+              <a:rPr lang="tr-TR" dirty="0" smtClean="0"/>
+              <a:t> 1-hold </a:t>
+            </a:r>
+            <a:r>
+              <a:rPr lang="tr-TR" dirty="0" err="1" smtClean="0"/>
+              <a:t>out</a:t>
+            </a:r>
+            <a:endParaRPr lang="tr-TR" dirty="0" smtClean="0"/>
+          </a:p>
+          <a:p>
+            <a:r>
+              <a:rPr lang="tr-TR" dirty="0" err="1" smtClean="0"/>
+              <a:t>Linear</a:t>
+            </a:r>
+            <a:r>
+              <a:rPr lang="tr-TR" dirty="0" smtClean="0"/>
+              <a:t> </a:t>
+            </a:r>
+            <a:r>
+              <a:rPr lang="tr-TR" dirty="0" err="1" smtClean="0"/>
+              <a:t>regression</a:t>
             </a:r>
             <a:endParaRPr lang="en-US" dirty="0"/>
           </a:p>
@@ -5482,7 +5895,7 @@
       </p:sp>
       <p:pic>
         <p:nvPicPr>
-          <p:cNvPr id="4" name="Picture 3"/>
+          <p:cNvPr id="4" name="Content Placeholder 3"/>
           <p:cNvPicPr>
             <a:picLocks noChangeAspect="1"/>
           </p:cNvPicPr>
@@ -5502,8 +5915,8 @@
         </p:blipFill>
         <p:spPr>
           <a:xfrm>
-            <a:off x="6266793" y="3424675"/>
-            <a:ext cx="4706007" cy="1047896"/>
+            <a:off x="5261705" y="3727224"/>
+            <a:ext cx="5837426" cy="693480"/>
           </a:xfrm>
           <a:prstGeom prst="rect">
             <a:avLst/>
@@ -5532,8 +5945,8 @@
         </p:blipFill>
         <p:spPr>
           <a:xfrm>
-            <a:off x="1597620" y="3034144"/>
-            <a:ext cx="3543607" cy="1828958"/>
+            <a:off x="5261705" y="2065686"/>
+            <a:ext cx="5791702" cy="594412"/>
           </a:xfrm>
           <a:prstGeom prst="rect">
             <a:avLst/>
@@ -5543,7 +5956,7 @@
     </p:spTree>
     <p:extLst>
       <p:ext uri="{BB962C8B-B14F-4D97-AF65-F5344CB8AC3E}">
-        <p14:creationId xmlns:p14="http://schemas.microsoft.com/office/powerpoint/2010/main" val="466487098"/>
+        <p14:creationId xmlns:p14="http://schemas.microsoft.com/office/powerpoint/2010/main" val="3598588750"/>
       </p:ext>
     </p:extLst>
   </p:cSld>
@@ -5590,7 +6003,7 @@
         <p:spPr>
           <a:xfrm>
             <a:off x="1371600" y="685800"/>
-            <a:ext cx="9601200" cy="760615"/>
+            <a:ext cx="9601200" cy="968433"/>
           </a:xfrm>
         </p:spPr>
         <p:txBody>
@@ -5599,21 +6012,58 @@
           <a:p>
             <a:r>
               <a:rPr lang="tr-TR" dirty="0" smtClean="0"/>
-              <a:t>ROC</a:t>
+              <a:t>Final Model</a:t>
             </a:r>
             <a:endParaRPr lang="en-US" dirty="0"/>
+          </a:p>
+        </p:txBody>
+      </p:sp>
+      <p:sp>
+        <p:nvSpPr>
+          <p:cNvPr id="3" name="Content Placeholder 2"/>
+          <p:cNvSpPr>
+            <a:spLocks noGrp="1"/>
+          </p:cNvSpPr>
+          <p:nvPr>
+            <p:ph idx="1"/>
+          </p:nvPr>
+        </p:nvSpPr>
+        <p:spPr>
+          <a:xfrm>
+            <a:off x="1371600" y="2028305"/>
+            <a:ext cx="9601200" cy="631767"/>
+          </a:xfrm>
+        </p:spPr>
+        <p:txBody>
+          <a:bodyPr/>
+          <a:lstStyle/>
+          <a:p>
+            <a:r>
+              <a:rPr lang="tr-TR" dirty="0" err="1" smtClean="0"/>
+              <a:t>Prediction</a:t>
+            </a:r>
+            <a:r>
+              <a:rPr lang="tr-TR" dirty="0" smtClean="0"/>
+              <a:t> of [</a:t>
+            </a:r>
+            <a:r>
+              <a:rPr lang="en-US" dirty="0" smtClean="0"/>
+              <a:t>6 </a:t>
+            </a:r>
+            <a:r>
+              <a:rPr lang="en-US" dirty="0"/>
+              <a:t>3 5 1.5]</a:t>
+            </a:r>
           </a:p>
         </p:txBody>
       </p:sp>
       <p:pic>
         <p:nvPicPr>
-          <p:cNvPr id="4" name="Content Placeholder 3"/>
+          <p:cNvPr id="4" name="Picture 3"/>
           <p:cNvPicPr>
-            <a:picLocks noGrp="1" noChangeAspect="1"/>
+            <a:picLocks noChangeAspect="1"/>
           </p:cNvPicPr>
-          <p:nvPr>
-            <p:ph idx="1"/>
-          </p:nvPr>
+          <p:nvPr/>
         </p:nvPicPr>
         <p:blipFill>
           <a:blip r:embed="rId2">
@@ -5629,264 +6079,48 @@
         </p:blipFill>
         <p:spPr>
           <a:xfrm>
-            <a:off x="3366696" y="3025831"/>
-            <a:ext cx="5611008" cy="2010056"/>
-          </a:xfrm>
-        </p:spPr>
-      </p:pic>
-      <p:sp>
-        <p:nvSpPr>
-          <p:cNvPr id="7" name="Content Placeholder 2"/>
-          <p:cNvSpPr txBox="1">
-            <a:spLocks/>
-          </p:cNvSpPr>
-          <p:nvPr/>
-        </p:nvSpPr>
-        <p:spPr>
-          <a:xfrm>
-            <a:off x="1371600" y="2028305"/>
-            <a:ext cx="9601200" cy="631767"/>
+            <a:off x="6266793" y="3424675"/>
+            <a:ext cx="4706007" cy="1047896"/>
           </a:xfrm>
           <a:prstGeom prst="rect">
             <a:avLst/>
           </a:prstGeom>
         </p:spPr>
-        <p:txBody>
-          <a:bodyPr vert="horz" lIns="91440" tIns="45720" rIns="91440" bIns="45720" rtlCol="0">
-            <a:normAutofit/>
-          </a:bodyPr>
-          <a:lstStyle>
-            <a:lvl1pPr marL="384048" indent="-384048" algn="l" defTabSz="914400" rtl="0" eaLnBrk="1" latinLnBrk="0" hangingPunct="1">
-              <a:lnSpc>
-                <a:spcPct val="94000"/>
-              </a:lnSpc>
-              <a:spcBef>
-                <a:spcPts val="1000"/>
-              </a:spcBef>
-              <a:spcAft>
-                <a:spcPts val="200"/>
-              </a:spcAft>
-              <a:buFont typeface="Franklin Gothic Book" panose="020B0503020102020204" pitchFamily="34" charset="0"/>
-              <a:buChar char="■"/>
-              <a:defRPr sz="2000" kern="1200" baseline="0">
-                <a:solidFill>
-                  <a:schemeClr val="tx2"/>
-                </a:solidFill>
-                <a:latin typeface="+mn-lt"/>
-                <a:ea typeface="+mn-ea"/>
-                <a:cs typeface="+mn-cs"/>
-              </a:defRPr>
-            </a:lvl1pPr>
-            <a:lvl2pPr marL="914400" indent="-384048" algn="l" defTabSz="914400" rtl="0" eaLnBrk="1" latinLnBrk="0" hangingPunct="1">
-              <a:lnSpc>
-                <a:spcPct val="94000"/>
-              </a:lnSpc>
-              <a:spcBef>
-                <a:spcPts val="500"/>
-              </a:spcBef>
-              <a:spcAft>
-                <a:spcPts val="200"/>
-              </a:spcAft>
-              <a:buFont typeface="Franklin Gothic Book" panose="020B0503020102020204" pitchFamily="34" charset="0"/>
-              <a:buChar char="–"/>
-              <a:defRPr sz="2000" i="1" kern="1200" baseline="0">
-                <a:solidFill>
-                  <a:schemeClr val="tx2"/>
-                </a:solidFill>
-                <a:latin typeface="+mn-lt"/>
-                <a:ea typeface="+mn-ea"/>
-                <a:cs typeface="+mn-cs"/>
-              </a:defRPr>
-            </a:lvl2pPr>
-            <a:lvl3pPr marL="1371600" indent="-384048" algn="l" defTabSz="914400" rtl="0" eaLnBrk="1" latinLnBrk="0" hangingPunct="1">
-              <a:lnSpc>
-                <a:spcPct val="94000"/>
-              </a:lnSpc>
-              <a:spcBef>
-                <a:spcPts val="500"/>
-              </a:spcBef>
-              <a:spcAft>
-                <a:spcPts val="200"/>
-              </a:spcAft>
-              <a:buFont typeface="Franklin Gothic Book" panose="020B0503020102020204" pitchFamily="34" charset="0"/>
-              <a:buChar char="■"/>
-              <a:defRPr sz="1800" kern="1200" baseline="0">
-                <a:solidFill>
-                  <a:schemeClr val="tx2"/>
-                </a:solidFill>
-                <a:latin typeface="+mn-lt"/>
-                <a:ea typeface="+mn-ea"/>
-                <a:cs typeface="+mn-cs"/>
-              </a:defRPr>
-            </a:lvl3pPr>
-            <a:lvl4pPr marL="1828800" indent="-384048" algn="l" defTabSz="914400" rtl="0" eaLnBrk="1" latinLnBrk="0" hangingPunct="1">
-              <a:lnSpc>
-                <a:spcPct val="94000"/>
-              </a:lnSpc>
-              <a:spcBef>
-                <a:spcPts val="500"/>
-              </a:spcBef>
-              <a:spcAft>
-                <a:spcPts val="200"/>
-              </a:spcAft>
-              <a:buFont typeface="Franklin Gothic Book" panose="020B0503020102020204" pitchFamily="34" charset="0"/>
-              <a:buChar char="–"/>
-              <a:defRPr sz="1800" i="1" kern="1200" baseline="0">
-                <a:solidFill>
-                  <a:schemeClr val="tx2"/>
-                </a:solidFill>
-                <a:latin typeface="+mn-lt"/>
-                <a:ea typeface="+mn-ea"/>
-                <a:cs typeface="+mn-cs"/>
-              </a:defRPr>
-            </a:lvl4pPr>
-            <a:lvl5pPr marL="2286000" indent="-384048" algn="l" defTabSz="914400" rtl="0" eaLnBrk="1" latinLnBrk="0" hangingPunct="1">
-              <a:lnSpc>
-                <a:spcPct val="94000"/>
-              </a:lnSpc>
-              <a:spcBef>
-                <a:spcPts val="500"/>
-              </a:spcBef>
-              <a:spcAft>
-                <a:spcPts val="200"/>
-              </a:spcAft>
-              <a:buFont typeface="Franklin Gothic Book" panose="020B0503020102020204" pitchFamily="34" charset="0"/>
-              <a:buChar char="■"/>
-              <a:defRPr sz="1600" kern="1200" baseline="0">
-                <a:solidFill>
-                  <a:schemeClr val="tx2"/>
-                </a:solidFill>
-                <a:latin typeface="+mn-lt"/>
-                <a:ea typeface="+mn-ea"/>
-                <a:cs typeface="+mn-cs"/>
-              </a:defRPr>
-            </a:lvl5pPr>
-            <a:lvl6pPr marL="2743200" indent="-384048" algn="l" defTabSz="914400" rtl="0" eaLnBrk="1" latinLnBrk="0" hangingPunct="1">
-              <a:lnSpc>
-                <a:spcPct val="94000"/>
-              </a:lnSpc>
-              <a:spcBef>
-                <a:spcPts val="500"/>
-              </a:spcBef>
-              <a:spcAft>
-                <a:spcPts val="200"/>
-              </a:spcAft>
-              <a:buFont typeface="Franklin Gothic Book" panose="020B0503020102020204" pitchFamily="34" charset="0"/>
-              <a:buChar char="–"/>
-              <a:defRPr sz="1600" i="1" kern="1200" baseline="0">
-                <a:solidFill>
-                  <a:schemeClr val="tx2"/>
-                </a:solidFill>
-                <a:latin typeface="+mn-lt"/>
-                <a:ea typeface="+mn-ea"/>
-                <a:cs typeface="+mn-cs"/>
-              </a:defRPr>
-            </a:lvl6pPr>
-            <a:lvl7pPr marL="3200400" indent="-384048" algn="l" defTabSz="914400" rtl="0" eaLnBrk="1" latinLnBrk="0" hangingPunct="1">
-              <a:lnSpc>
-                <a:spcPct val="94000"/>
-              </a:lnSpc>
-              <a:spcBef>
-                <a:spcPts val="500"/>
-              </a:spcBef>
-              <a:spcAft>
-                <a:spcPts val="200"/>
-              </a:spcAft>
-              <a:buFont typeface="Franklin Gothic Book" panose="020B0503020102020204" pitchFamily="34" charset="0"/>
-              <a:buChar char="■"/>
-              <a:defRPr sz="1400" kern="1200" baseline="0">
-                <a:solidFill>
-                  <a:schemeClr val="tx2"/>
-                </a:solidFill>
-                <a:latin typeface="+mn-lt"/>
-                <a:ea typeface="+mn-ea"/>
-                <a:cs typeface="+mn-cs"/>
-              </a:defRPr>
-            </a:lvl7pPr>
-            <a:lvl8pPr marL="3657600" indent="-384048" algn="l" defTabSz="914400" rtl="0" eaLnBrk="1" latinLnBrk="0" hangingPunct="1">
-              <a:lnSpc>
-                <a:spcPct val="94000"/>
-              </a:lnSpc>
-              <a:spcBef>
-                <a:spcPts val="500"/>
-              </a:spcBef>
-              <a:spcAft>
-                <a:spcPts val="200"/>
-              </a:spcAft>
-              <a:buFont typeface="Franklin Gothic Book" panose="020B0503020102020204" pitchFamily="34" charset="0"/>
-              <a:buChar char="–"/>
-              <a:defRPr sz="1400" i="1" kern="1200" baseline="0">
-                <a:solidFill>
-                  <a:schemeClr val="tx2"/>
-                </a:solidFill>
-                <a:latin typeface="+mn-lt"/>
-                <a:ea typeface="+mn-ea"/>
-                <a:cs typeface="+mn-cs"/>
-              </a:defRPr>
-            </a:lvl8pPr>
-            <a:lvl9pPr marL="4114800" indent="-384048" algn="l" defTabSz="914400" rtl="0" eaLnBrk="1" latinLnBrk="0" hangingPunct="1">
-              <a:lnSpc>
-                <a:spcPct val="94000"/>
-              </a:lnSpc>
-              <a:spcBef>
-                <a:spcPts val="500"/>
-              </a:spcBef>
-              <a:spcAft>
-                <a:spcPts val="200"/>
-              </a:spcAft>
-              <a:buFont typeface="Franklin Gothic Book" panose="020B0503020102020204" pitchFamily="34" charset="0"/>
-              <a:buChar char="■"/>
-              <a:defRPr sz="1400" kern="1200" baseline="0">
-                <a:solidFill>
-                  <a:schemeClr val="tx2"/>
-                </a:solidFill>
-                <a:latin typeface="+mn-lt"/>
-                <a:ea typeface="+mn-ea"/>
-                <a:cs typeface="+mn-cs"/>
-              </a:defRPr>
-            </a:lvl9pPr>
-          </a:lstStyle>
-          <a:p>
-            <a:r>
-              <a:rPr lang="tr-TR" dirty="0" err="1" smtClean="0"/>
-              <a:t>Sample</a:t>
-            </a:r>
-            <a:r>
-              <a:rPr lang="tr-TR" dirty="0" smtClean="0"/>
-              <a:t> </a:t>
-            </a:r>
-            <a:r>
-              <a:rPr lang="tr-TR" dirty="0" err="1" smtClean="0"/>
-              <a:t>code</a:t>
-            </a:r>
-            <a:r>
-              <a:rPr lang="tr-TR" dirty="0" smtClean="0"/>
-              <a:t> </a:t>
-            </a:r>
-            <a:r>
-              <a:rPr lang="tr-TR" dirty="0" err="1" smtClean="0"/>
-              <a:t>for</a:t>
-            </a:r>
-            <a:r>
-              <a:rPr lang="tr-TR" dirty="0" smtClean="0"/>
-              <a:t> </a:t>
-            </a:r>
-            <a:r>
-              <a:rPr lang="tr-TR" dirty="0" err="1" smtClean="0"/>
-              <a:t>multiclass</a:t>
-            </a:r>
-            <a:r>
-              <a:rPr lang="tr-TR" dirty="0" smtClean="0"/>
-              <a:t> ROC</a:t>
-            </a:r>
-            <a:endParaRPr lang="en-US" dirty="0"/>
-          </a:p>
-        </p:txBody>
-      </p:sp>
+      </p:pic>
+      <p:pic>
+        <p:nvPicPr>
+          <p:cNvPr id="5" name="Picture 4"/>
+          <p:cNvPicPr>
+            <a:picLocks noChangeAspect="1"/>
+          </p:cNvPicPr>
+          <p:nvPr/>
+        </p:nvPicPr>
+        <p:blipFill>
+          <a:blip r:embed="rId3">
+            <a:extLst>
+              <a:ext uri="{28A0092B-C50C-407E-A947-70E740481C1C}">
+                <a14:useLocalDpi xmlns:a14="http://schemas.microsoft.com/office/drawing/2010/main" val="0"/>
+              </a:ext>
+            </a:extLst>
+          </a:blip>
+          <a:stretch>
+            <a:fillRect/>
+          </a:stretch>
+        </p:blipFill>
+        <p:spPr>
+          <a:xfrm>
+            <a:off x="1597620" y="3034144"/>
+            <a:ext cx="3543607" cy="1828958"/>
+          </a:xfrm>
+          <a:prstGeom prst="rect">
+            <a:avLst/>
+          </a:prstGeom>
+        </p:spPr>
+      </p:pic>
     </p:spTree>
     <p:extLst>
       <p:ext uri="{BB962C8B-B14F-4D97-AF65-F5344CB8AC3E}">
-        <p14:creationId xmlns:p14="http://schemas.microsoft.com/office/powerpoint/2010/main" val="2908424667"/>
+        <p14:creationId xmlns:p14="http://schemas.microsoft.com/office/powerpoint/2010/main" val="466487098"/>
       </p:ext>
     </p:extLst>
   </p:cSld>
@@ -5948,6 +6182,35 @@
           </a:p>
         </p:txBody>
       </p:sp>
+      <p:pic>
+        <p:nvPicPr>
+          <p:cNvPr id="4" name="Content Placeholder 3"/>
+          <p:cNvPicPr>
+            <a:picLocks noGrp="1" noChangeAspect="1"/>
+          </p:cNvPicPr>
+          <p:nvPr>
+            <p:ph idx="1"/>
+          </p:nvPr>
+        </p:nvPicPr>
+        <p:blipFill>
+          <a:blip r:embed="rId2">
+            <a:extLst>
+              <a:ext uri="{28A0092B-C50C-407E-A947-70E740481C1C}">
+                <a14:useLocalDpi xmlns:a14="http://schemas.microsoft.com/office/drawing/2010/main" val="0"/>
+              </a:ext>
+            </a:extLst>
+          </a:blip>
+          <a:stretch>
+            <a:fillRect/>
+          </a:stretch>
+        </p:blipFill>
+        <p:spPr>
+          <a:xfrm>
+            <a:off x="3366696" y="3025831"/>
+            <a:ext cx="5611008" cy="2010056"/>
+          </a:xfrm>
+        </p:spPr>
+      </p:pic>
       <p:sp>
         <p:nvSpPr>
           <p:cNvPr id="7" name="Content Placeholder 2"/>
@@ -5959,7 +6222,7 @@
         <p:spPr>
           <a:xfrm>
             <a:off x="1371600" y="2028305"/>
-            <a:ext cx="4493768" cy="631767"/>
+            <a:ext cx="9601200" cy="631767"/>
           </a:xfrm>
           <a:prstGeom prst="rect">
             <a:avLst/>
@@ -6161,12 +6424,9 @@
             </a:lvl9pPr>
           </a:lstStyle>
           <a:p>
-            <a:pPr marL="0" indent="0">
-              <a:buNone/>
-            </a:pPr>
-            <a:r>
-              <a:rPr lang="tr-TR" b="1" dirty="0" smtClean="0"/>
-              <a:t>1-</a:t>
+            <a:r>
+              <a:rPr lang="tr-TR" dirty="0" err="1" smtClean="0"/>
+              <a:t>Sample</a:t>
             </a:r>
             <a:r>
               <a:rPr lang="tr-TR" dirty="0" smtClean="0"/>
@@ -6174,7 +6434,7 @@
             </a:r>
             <a:r>
               <a:rPr lang="tr-TR" dirty="0" err="1" smtClean="0"/>
-              <a:t>Score</a:t>
+              <a:t>code</a:t>
             </a:r>
             <a:r>
               <a:rPr lang="tr-TR" dirty="0" smtClean="0"/>
@@ -6182,320 +6442,7 @@
             </a:r>
             <a:r>
               <a:rPr lang="tr-TR" dirty="0" err="1" smtClean="0"/>
-              <a:t>calculation</a:t>
-            </a:r>
-            <a:endParaRPr lang="en-US" dirty="0"/>
-          </a:p>
-        </p:txBody>
-      </p:sp>
-      <p:pic>
-        <p:nvPicPr>
-          <p:cNvPr id="5" name="Content Placeholder 4"/>
-          <p:cNvPicPr>
-            <a:picLocks noGrp="1" noChangeAspect="1"/>
-          </p:cNvPicPr>
-          <p:nvPr>
-            <p:ph idx="1"/>
-          </p:nvPr>
-        </p:nvPicPr>
-        <p:blipFill>
-          <a:blip r:embed="rId2">
-            <a:extLst>
-              <a:ext uri="{28A0092B-C50C-407E-A947-70E740481C1C}">
-                <a14:useLocalDpi xmlns:a14="http://schemas.microsoft.com/office/drawing/2010/main" val="0"/>
-              </a:ext>
-            </a:extLst>
-          </a:blip>
-          <a:stretch>
-            <a:fillRect/>
-          </a:stretch>
-        </p:blipFill>
-        <p:spPr>
-          <a:xfrm>
-            <a:off x="1371599" y="2660071"/>
-            <a:ext cx="4493769" cy="1341073"/>
-          </a:xfrm>
-        </p:spPr>
-      </p:pic>
-      <p:pic>
-        <p:nvPicPr>
-          <p:cNvPr id="6" name="Picture 5"/>
-          <p:cNvPicPr>
-            <a:picLocks noChangeAspect="1"/>
-          </p:cNvPicPr>
-          <p:nvPr/>
-        </p:nvPicPr>
-        <p:blipFill>
-          <a:blip r:embed="rId3">
-            <a:extLst>
-              <a:ext uri="{28A0092B-C50C-407E-A947-70E740481C1C}">
-                <a14:useLocalDpi xmlns:a14="http://schemas.microsoft.com/office/drawing/2010/main" val="0"/>
-              </a:ext>
-            </a:extLst>
-          </a:blip>
-          <a:stretch>
-            <a:fillRect/>
-          </a:stretch>
-        </p:blipFill>
-        <p:spPr>
-          <a:xfrm>
-            <a:off x="1371599" y="4732190"/>
-            <a:ext cx="5353797" cy="1438476"/>
-          </a:xfrm>
-          <a:prstGeom prst="rect">
-            <a:avLst/>
-          </a:prstGeom>
-        </p:spPr>
-      </p:pic>
-      <p:pic>
-        <p:nvPicPr>
-          <p:cNvPr id="8" name="Picture 7"/>
-          <p:cNvPicPr>
-            <a:picLocks noChangeAspect="1"/>
-          </p:cNvPicPr>
-          <p:nvPr/>
-        </p:nvPicPr>
-        <p:blipFill>
-          <a:blip r:embed="rId4">
-            <a:extLst>
-              <a:ext uri="{28A0092B-C50C-407E-A947-70E740481C1C}">
-                <a14:useLocalDpi xmlns:a14="http://schemas.microsoft.com/office/drawing/2010/main" val="0"/>
-              </a:ext>
-            </a:extLst>
-          </a:blip>
-          <a:stretch>
-            <a:fillRect/>
-          </a:stretch>
-        </p:blipFill>
-        <p:spPr>
-          <a:xfrm>
-            <a:off x="6725396" y="2660071"/>
-            <a:ext cx="5163271" cy="1209844"/>
-          </a:xfrm>
-          <a:prstGeom prst="rect">
-            <a:avLst/>
-          </a:prstGeom>
-        </p:spPr>
-      </p:pic>
-      <p:sp>
-        <p:nvSpPr>
-          <p:cNvPr id="9" name="Content Placeholder 2"/>
-          <p:cNvSpPr txBox="1">
-            <a:spLocks/>
-          </p:cNvSpPr>
-          <p:nvPr/>
-        </p:nvSpPr>
-        <p:spPr>
-          <a:xfrm>
-            <a:off x="1371600" y="4228619"/>
-            <a:ext cx="9601200" cy="631767"/>
-          </a:xfrm>
-          <a:prstGeom prst="rect">
-            <a:avLst/>
-          </a:prstGeom>
-        </p:spPr>
-        <p:txBody>
-          <a:bodyPr vert="horz" lIns="91440" tIns="45720" rIns="91440" bIns="45720" rtlCol="0">
-            <a:normAutofit/>
-          </a:bodyPr>
-          <a:lstStyle>
-            <a:lvl1pPr marL="384048" indent="-384048" algn="l" defTabSz="914400" rtl="0" eaLnBrk="1" latinLnBrk="0" hangingPunct="1">
-              <a:lnSpc>
-                <a:spcPct val="94000"/>
-              </a:lnSpc>
-              <a:spcBef>
-                <a:spcPts val="1000"/>
-              </a:spcBef>
-              <a:spcAft>
-                <a:spcPts val="200"/>
-              </a:spcAft>
-              <a:buFont typeface="Franklin Gothic Book" panose="020B0503020102020204" pitchFamily="34" charset="0"/>
-              <a:buChar char="■"/>
-              <a:defRPr sz="2000" kern="1200" baseline="0">
-                <a:solidFill>
-                  <a:schemeClr val="tx2"/>
-                </a:solidFill>
-                <a:latin typeface="+mn-lt"/>
-                <a:ea typeface="+mn-ea"/>
-                <a:cs typeface="+mn-cs"/>
-              </a:defRPr>
-            </a:lvl1pPr>
-            <a:lvl2pPr marL="914400" indent="-384048" algn="l" defTabSz="914400" rtl="0" eaLnBrk="1" latinLnBrk="0" hangingPunct="1">
-              <a:lnSpc>
-                <a:spcPct val="94000"/>
-              </a:lnSpc>
-              <a:spcBef>
-                <a:spcPts val="500"/>
-              </a:spcBef>
-              <a:spcAft>
-                <a:spcPts val="200"/>
-              </a:spcAft>
-              <a:buFont typeface="Franklin Gothic Book" panose="020B0503020102020204" pitchFamily="34" charset="0"/>
-              <a:buChar char="–"/>
-              <a:defRPr sz="2000" i="1" kern="1200" baseline="0">
-                <a:solidFill>
-                  <a:schemeClr val="tx2"/>
-                </a:solidFill>
-                <a:latin typeface="+mn-lt"/>
-                <a:ea typeface="+mn-ea"/>
-                <a:cs typeface="+mn-cs"/>
-              </a:defRPr>
-            </a:lvl2pPr>
-            <a:lvl3pPr marL="1371600" indent="-384048" algn="l" defTabSz="914400" rtl="0" eaLnBrk="1" latinLnBrk="0" hangingPunct="1">
-              <a:lnSpc>
-                <a:spcPct val="94000"/>
-              </a:lnSpc>
-              <a:spcBef>
-                <a:spcPts val="500"/>
-              </a:spcBef>
-              <a:spcAft>
-                <a:spcPts val="200"/>
-              </a:spcAft>
-              <a:buFont typeface="Franklin Gothic Book" panose="020B0503020102020204" pitchFamily="34" charset="0"/>
-              <a:buChar char="■"/>
-              <a:defRPr sz="1800" kern="1200" baseline="0">
-                <a:solidFill>
-                  <a:schemeClr val="tx2"/>
-                </a:solidFill>
-                <a:latin typeface="+mn-lt"/>
-                <a:ea typeface="+mn-ea"/>
-                <a:cs typeface="+mn-cs"/>
-              </a:defRPr>
-            </a:lvl3pPr>
-            <a:lvl4pPr marL="1828800" indent="-384048" algn="l" defTabSz="914400" rtl="0" eaLnBrk="1" latinLnBrk="0" hangingPunct="1">
-              <a:lnSpc>
-                <a:spcPct val="94000"/>
-              </a:lnSpc>
-              <a:spcBef>
-                <a:spcPts val="500"/>
-              </a:spcBef>
-              <a:spcAft>
-                <a:spcPts val="200"/>
-              </a:spcAft>
-              <a:buFont typeface="Franklin Gothic Book" panose="020B0503020102020204" pitchFamily="34" charset="0"/>
-              <a:buChar char="–"/>
-              <a:defRPr sz="1800" i="1" kern="1200" baseline="0">
-                <a:solidFill>
-                  <a:schemeClr val="tx2"/>
-                </a:solidFill>
-                <a:latin typeface="+mn-lt"/>
-                <a:ea typeface="+mn-ea"/>
-                <a:cs typeface="+mn-cs"/>
-              </a:defRPr>
-            </a:lvl4pPr>
-            <a:lvl5pPr marL="2286000" indent="-384048" algn="l" defTabSz="914400" rtl="0" eaLnBrk="1" latinLnBrk="0" hangingPunct="1">
-              <a:lnSpc>
-                <a:spcPct val="94000"/>
-              </a:lnSpc>
-              <a:spcBef>
-                <a:spcPts val="500"/>
-              </a:spcBef>
-              <a:spcAft>
-                <a:spcPts val="200"/>
-              </a:spcAft>
-              <a:buFont typeface="Franklin Gothic Book" panose="020B0503020102020204" pitchFamily="34" charset="0"/>
-              <a:buChar char="■"/>
-              <a:defRPr sz="1600" kern="1200" baseline="0">
-                <a:solidFill>
-                  <a:schemeClr val="tx2"/>
-                </a:solidFill>
-                <a:latin typeface="+mn-lt"/>
-                <a:ea typeface="+mn-ea"/>
-                <a:cs typeface="+mn-cs"/>
-              </a:defRPr>
-            </a:lvl5pPr>
-            <a:lvl6pPr marL="2743200" indent="-384048" algn="l" defTabSz="914400" rtl="0" eaLnBrk="1" latinLnBrk="0" hangingPunct="1">
-              <a:lnSpc>
-                <a:spcPct val="94000"/>
-              </a:lnSpc>
-              <a:spcBef>
-                <a:spcPts val="500"/>
-              </a:spcBef>
-              <a:spcAft>
-                <a:spcPts val="200"/>
-              </a:spcAft>
-              <a:buFont typeface="Franklin Gothic Book" panose="020B0503020102020204" pitchFamily="34" charset="0"/>
-              <a:buChar char="–"/>
-              <a:defRPr sz="1600" i="1" kern="1200" baseline="0">
-                <a:solidFill>
-                  <a:schemeClr val="tx2"/>
-                </a:solidFill>
-                <a:latin typeface="+mn-lt"/>
-                <a:ea typeface="+mn-ea"/>
-                <a:cs typeface="+mn-cs"/>
-              </a:defRPr>
-            </a:lvl6pPr>
-            <a:lvl7pPr marL="3200400" indent="-384048" algn="l" defTabSz="914400" rtl="0" eaLnBrk="1" latinLnBrk="0" hangingPunct="1">
-              <a:lnSpc>
-                <a:spcPct val="94000"/>
-              </a:lnSpc>
-              <a:spcBef>
-                <a:spcPts val="500"/>
-              </a:spcBef>
-              <a:spcAft>
-                <a:spcPts val="200"/>
-              </a:spcAft>
-              <a:buFont typeface="Franklin Gothic Book" panose="020B0503020102020204" pitchFamily="34" charset="0"/>
-              <a:buChar char="■"/>
-              <a:defRPr sz="1400" kern="1200" baseline="0">
-                <a:solidFill>
-                  <a:schemeClr val="tx2"/>
-                </a:solidFill>
-                <a:latin typeface="+mn-lt"/>
-                <a:ea typeface="+mn-ea"/>
-                <a:cs typeface="+mn-cs"/>
-              </a:defRPr>
-            </a:lvl7pPr>
-            <a:lvl8pPr marL="3657600" indent="-384048" algn="l" defTabSz="914400" rtl="0" eaLnBrk="1" latinLnBrk="0" hangingPunct="1">
-              <a:lnSpc>
-                <a:spcPct val="94000"/>
-              </a:lnSpc>
-              <a:spcBef>
-                <a:spcPts val="500"/>
-              </a:spcBef>
-              <a:spcAft>
-                <a:spcPts val="200"/>
-              </a:spcAft>
-              <a:buFont typeface="Franklin Gothic Book" panose="020B0503020102020204" pitchFamily="34" charset="0"/>
-              <a:buChar char="–"/>
-              <a:defRPr sz="1400" i="1" kern="1200" baseline="0">
-                <a:solidFill>
-                  <a:schemeClr val="tx2"/>
-                </a:solidFill>
-                <a:latin typeface="+mn-lt"/>
-                <a:ea typeface="+mn-ea"/>
-                <a:cs typeface="+mn-cs"/>
-              </a:defRPr>
-            </a:lvl8pPr>
-            <a:lvl9pPr marL="4114800" indent="-384048" algn="l" defTabSz="914400" rtl="0" eaLnBrk="1" latinLnBrk="0" hangingPunct="1">
-              <a:lnSpc>
-                <a:spcPct val="94000"/>
-              </a:lnSpc>
-              <a:spcBef>
-                <a:spcPts val="500"/>
-              </a:spcBef>
-              <a:spcAft>
-                <a:spcPts val="200"/>
-              </a:spcAft>
-              <a:buFont typeface="Franklin Gothic Book" panose="020B0503020102020204" pitchFamily="34" charset="0"/>
-              <a:buChar char="■"/>
-              <a:defRPr sz="1400" kern="1200" baseline="0">
-                <a:solidFill>
-                  <a:schemeClr val="tx2"/>
-                </a:solidFill>
-                <a:latin typeface="+mn-lt"/>
-                <a:ea typeface="+mn-ea"/>
-                <a:cs typeface="+mn-cs"/>
-              </a:defRPr>
-            </a:lvl9pPr>
-          </a:lstStyle>
-          <a:p>
-            <a:pPr marL="0" indent="0">
-              <a:buNone/>
-            </a:pPr>
-            <a:r>
-              <a:rPr lang="tr-TR" b="1" dirty="0" smtClean="0"/>
-              <a:t>2-</a:t>
+              <a:t>for</a:t>
             </a:r>
             <a:r>
               <a:rPr lang="tr-TR" dirty="0" smtClean="0"/>
@@ -6503,255 +6450,11 @@
             </a:r>
             <a:r>
               <a:rPr lang="tr-TR" dirty="0" err="1" smtClean="0"/>
-              <a:t>One</a:t>
+              <a:t>multiclass</a:t>
             </a:r>
             <a:r>
               <a:rPr lang="tr-TR" dirty="0" smtClean="0"/>
-              <a:t> </a:t>
-            </a:r>
-            <a:r>
-              <a:rPr lang="tr-TR" dirty="0" err="1" smtClean="0"/>
-              <a:t>vs</a:t>
-            </a:r>
-            <a:r>
-              <a:rPr lang="tr-TR" dirty="0" smtClean="0"/>
-              <a:t> rest </a:t>
-            </a:r>
-            <a:r>
-              <a:rPr lang="tr-TR" dirty="0" err="1" smtClean="0"/>
-              <a:t>logic</a:t>
-            </a:r>
-            <a:endParaRPr lang="en-US" dirty="0"/>
-          </a:p>
-        </p:txBody>
-      </p:sp>
-      <p:sp>
-        <p:nvSpPr>
-          <p:cNvPr id="10" name="Content Placeholder 2"/>
-          <p:cNvSpPr txBox="1">
-            <a:spLocks/>
-          </p:cNvSpPr>
-          <p:nvPr/>
-        </p:nvSpPr>
-        <p:spPr>
-          <a:xfrm>
-            <a:off x="6725396" y="2075303"/>
-            <a:ext cx="5163271" cy="631767"/>
-          </a:xfrm>
-          <a:prstGeom prst="rect">
-            <a:avLst/>
-          </a:prstGeom>
-        </p:spPr>
-        <p:txBody>
-          <a:bodyPr vert="horz" lIns="91440" tIns="45720" rIns="91440" bIns="45720" rtlCol="0">
-            <a:normAutofit/>
-          </a:bodyPr>
-          <a:lstStyle>
-            <a:lvl1pPr marL="384048" indent="-384048" algn="l" defTabSz="914400" rtl="0" eaLnBrk="1" latinLnBrk="0" hangingPunct="1">
-              <a:lnSpc>
-                <a:spcPct val="94000"/>
-              </a:lnSpc>
-              <a:spcBef>
-                <a:spcPts val="1000"/>
-              </a:spcBef>
-              <a:spcAft>
-                <a:spcPts val="200"/>
-              </a:spcAft>
-              <a:buFont typeface="Franklin Gothic Book" panose="020B0503020102020204" pitchFamily="34" charset="0"/>
-              <a:buChar char="■"/>
-              <a:defRPr sz="2000" kern="1200" baseline="0">
-                <a:solidFill>
-                  <a:schemeClr val="tx2"/>
-                </a:solidFill>
-                <a:latin typeface="+mn-lt"/>
-                <a:ea typeface="+mn-ea"/>
-                <a:cs typeface="+mn-cs"/>
-              </a:defRPr>
-            </a:lvl1pPr>
-            <a:lvl2pPr marL="914400" indent="-384048" algn="l" defTabSz="914400" rtl="0" eaLnBrk="1" latinLnBrk="0" hangingPunct="1">
-              <a:lnSpc>
-                <a:spcPct val="94000"/>
-              </a:lnSpc>
-              <a:spcBef>
-                <a:spcPts val="500"/>
-              </a:spcBef>
-              <a:spcAft>
-                <a:spcPts val="200"/>
-              </a:spcAft>
-              <a:buFont typeface="Franklin Gothic Book" panose="020B0503020102020204" pitchFamily="34" charset="0"/>
-              <a:buChar char="–"/>
-              <a:defRPr sz="2000" i="1" kern="1200" baseline="0">
-                <a:solidFill>
-                  <a:schemeClr val="tx2"/>
-                </a:solidFill>
-                <a:latin typeface="+mn-lt"/>
-                <a:ea typeface="+mn-ea"/>
-                <a:cs typeface="+mn-cs"/>
-              </a:defRPr>
-            </a:lvl2pPr>
-            <a:lvl3pPr marL="1371600" indent="-384048" algn="l" defTabSz="914400" rtl="0" eaLnBrk="1" latinLnBrk="0" hangingPunct="1">
-              <a:lnSpc>
-                <a:spcPct val="94000"/>
-              </a:lnSpc>
-              <a:spcBef>
-                <a:spcPts val="500"/>
-              </a:spcBef>
-              <a:spcAft>
-                <a:spcPts val="200"/>
-              </a:spcAft>
-              <a:buFont typeface="Franklin Gothic Book" panose="020B0503020102020204" pitchFamily="34" charset="0"/>
-              <a:buChar char="■"/>
-              <a:defRPr sz="1800" kern="1200" baseline="0">
-                <a:solidFill>
-                  <a:schemeClr val="tx2"/>
-                </a:solidFill>
-                <a:latin typeface="+mn-lt"/>
-                <a:ea typeface="+mn-ea"/>
-                <a:cs typeface="+mn-cs"/>
-              </a:defRPr>
-            </a:lvl3pPr>
-            <a:lvl4pPr marL="1828800" indent="-384048" algn="l" defTabSz="914400" rtl="0" eaLnBrk="1" latinLnBrk="0" hangingPunct="1">
-              <a:lnSpc>
-                <a:spcPct val="94000"/>
-              </a:lnSpc>
-              <a:spcBef>
-                <a:spcPts val="500"/>
-              </a:spcBef>
-              <a:spcAft>
-                <a:spcPts val="200"/>
-              </a:spcAft>
-              <a:buFont typeface="Franklin Gothic Book" panose="020B0503020102020204" pitchFamily="34" charset="0"/>
-              <a:buChar char="–"/>
-              <a:defRPr sz="1800" i="1" kern="1200" baseline="0">
-                <a:solidFill>
-                  <a:schemeClr val="tx2"/>
-                </a:solidFill>
-                <a:latin typeface="+mn-lt"/>
-                <a:ea typeface="+mn-ea"/>
-                <a:cs typeface="+mn-cs"/>
-              </a:defRPr>
-            </a:lvl4pPr>
-            <a:lvl5pPr marL="2286000" indent="-384048" algn="l" defTabSz="914400" rtl="0" eaLnBrk="1" latinLnBrk="0" hangingPunct="1">
-              <a:lnSpc>
-                <a:spcPct val="94000"/>
-              </a:lnSpc>
-              <a:spcBef>
-                <a:spcPts val="500"/>
-              </a:spcBef>
-              <a:spcAft>
-                <a:spcPts val="200"/>
-              </a:spcAft>
-              <a:buFont typeface="Franklin Gothic Book" panose="020B0503020102020204" pitchFamily="34" charset="0"/>
-              <a:buChar char="■"/>
-              <a:defRPr sz="1600" kern="1200" baseline="0">
-                <a:solidFill>
-                  <a:schemeClr val="tx2"/>
-                </a:solidFill>
-                <a:latin typeface="+mn-lt"/>
-                <a:ea typeface="+mn-ea"/>
-                <a:cs typeface="+mn-cs"/>
-              </a:defRPr>
-            </a:lvl5pPr>
-            <a:lvl6pPr marL="2743200" indent="-384048" algn="l" defTabSz="914400" rtl="0" eaLnBrk="1" latinLnBrk="0" hangingPunct="1">
-              <a:lnSpc>
-                <a:spcPct val="94000"/>
-              </a:lnSpc>
-              <a:spcBef>
-                <a:spcPts val="500"/>
-              </a:spcBef>
-              <a:spcAft>
-                <a:spcPts val="200"/>
-              </a:spcAft>
-              <a:buFont typeface="Franklin Gothic Book" panose="020B0503020102020204" pitchFamily="34" charset="0"/>
-              <a:buChar char="–"/>
-              <a:defRPr sz="1600" i="1" kern="1200" baseline="0">
-                <a:solidFill>
-                  <a:schemeClr val="tx2"/>
-                </a:solidFill>
-                <a:latin typeface="+mn-lt"/>
-                <a:ea typeface="+mn-ea"/>
-                <a:cs typeface="+mn-cs"/>
-              </a:defRPr>
-            </a:lvl6pPr>
-            <a:lvl7pPr marL="3200400" indent="-384048" algn="l" defTabSz="914400" rtl="0" eaLnBrk="1" latinLnBrk="0" hangingPunct="1">
-              <a:lnSpc>
-                <a:spcPct val="94000"/>
-              </a:lnSpc>
-              <a:spcBef>
-                <a:spcPts val="500"/>
-              </a:spcBef>
-              <a:spcAft>
-                <a:spcPts val="200"/>
-              </a:spcAft>
-              <a:buFont typeface="Franklin Gothic Book" panose="020B0503020102020204" pitchFamily="34" charset="0"/>
-              <a:buChar char="■"/>
-              <a:defRPr sz="1400" kern="1200" baseline="0">
-                <a:solidFill>
-                  <a:schemeClr val="tx2"/>
-                </a:solidFill>
-                <a:latin typeface="+mn-lt"/>
-                <a:ea typeface="+mn-ea"/>
-                <a:cs typeface="+mn-cs"/>
-              </a:defRPr>
-            </a:lvl7pPr>
-            <a:lvl8pPr marL="3657600" indent="-384048" algn="l" defTabSz="914400" rtl="0" eaLnBrk="1" latinLnBrk="0" hangingPunct="1">
-              <a:lnSpc>
-                <a:spcPct val="94000"/>
-              </a:lnSpc>
-              <a:spcBef>
-                <a:spcPts val="500"/>
-              </a:spcBef>
-              <a:spcAft>
-                <a:spcPts val="200"/>
-              </a:spcAft>
-              <a:buFont typeface="Franklin Gothic Book" panose="020B0503020102020204" pitchFamily="34" charset="0"/>
-              <a:buChar char="–"/>
-              <a:defRPr sz="1400" i="1" kern="1200" baseline="0">
-                <a:solidFill>
-                  <a:schemeClr val="tx2"/>
-                </a:solidFill>
-                <a:latin typeface="+mn-lt"/>
-                <a:ea typeface="+mn-ea"/>
-                <a:cs typeface="+mn-cs"/>
-              </a:defRPr>
-            </a:lvl8pPr>
-            <a:lvl9pPr marL="4114800" indent="-384048" algn="l" defTabSz="914400" rtl="0" eaLnBrk="1" latinLnBrk="0" hangingPunct="1">
-              <a:lnSpc>
-                <a:spcPct val="94000"/>
-              </a:lnSpc>
-              <a:spcBef>
-                <a:spcPts val="500"/>
-              </a:spcBef>
-              <a:spcAft>
-                <a:spcPts val="200"/>
-              </a:spcAft>
-              <a:buFont typeface="Franklin Gothic Book" panose="020B0503020102020204" pitchFamily="34" charset="0"/>
-              <a:buChar char="■"/>
-              <a:defRPr sz="1400" kern="1200" baseline="0">
-                <a:solidFill>
-                  <a:schemeClr val="tx2"/>
-                </a:solidFill>
-                <a:latin typeface="+mn-lt"/>
-                <a:ea typeface="+mn-ea"/>
-                <a:cs typeface="+mn-cs"/>
-              </a:defRPr>
-            </a:lvl9pPr>
-          </a:lstStyle>
-          <a:p>
-            <a:pPr marL="0" indent="0">
-              <a:buNone/>
-            </a:pPr>
-            <a:r>
-              <a:rPr lang="tr-TR" b="1" dirty="0" smtClean="0"/>
-              <a:t>3- </a:t>
-            </a:r>
-            <a:r>
-              <a:rPr lang="tr-TR" dirty="0" smtClean="0"/>
-              <a:t>ROC </a:t>
-            </a:r>
-            <a:r>
-              <a:rPr lang="tr-TR" dirty="0" err="1" smtClean="0"/>
-              <a:t>calculation</a:t>
+              <a:t> ROC</a:t>
             </a:r>
             <a:endParaRPr lang="en-US" dirty="0"/>
           </a:p>
@@ -6760,7 +6463,7 @@
     </p:spTree>
     <p:extLst>
       <p:ext uri="{BB962C8B-B14F-4D97-AF65-F5344CB8AC3E}">
-        <p14:creationId xmlns:p14="http://schemas.microsoft.com/office/powerpoint/2010/main" val="2896606135"/>
+        <p14:creationId xmlns:p14="http://schemas.microsoft.com/office/powerpoint/2010/main" val="2908424667"/>
       </p:ext>
     </p:extLst>
   </p:cSld>
@@ -6833,7 +6536,7 @@
         <p:spPr>
           <a:xfrm>
             <a:off x="1371600" y="2028305"/>
-            <a:ext cx="10820400" cy="972590"/>
+            <a:ext cx="4493768" cy="631767"/>
           </a:xfrm>
           <a:prstGeom prst="rect">
             <a:avLst/>
@@ -6841,7 +6544,7 @@
         </p:spPr>
         <p:txBody>
           <a:bodyPr vert="horz" lIns="91440" tIns="45720" rIns="91440" bIns="45720" rtlCol="0">
-            <a:normAutofit fontScale="85000" lnSpcReduction="20000"/>
+            <a:normAutofit/>
           </a:bodyPr>
           <a:lstStyle>
             <a:lvl1pPr marL="384048" indent="-384048" algn="l" defTabSz="914400" rtl="0" eaLnBrk="1" latinLnBrk="0" hangingPunct="1">
@@ -7035,78 +6738,44 @@
             </a:lvl9pPr>
           </a:lstStyle>
           <a:p>
-            <a:r>
-              <a:rPr lang="tr-TR" dirty="0" err="1" smtClean="0"/>
-              <a:t>Linear</a:t>
-            </a:r>
-            <a:r>
-              <a:rPr lang="tr-TR" dirty="0" smtClean="0"/>
-              <a:t> Regression</a:t>
-            </a:r>
-          </a:p>
-          <a:p>
             <a:pPr marL="0" indent="0">
               <a:buNone/>
             </a:pPr>
-            <a:endParaRPr lang="tr-TR" dirty="0"/>
-          </a:p>
-          <a:p>
-            <a:pPr marL="0" indent="0">
-              <a:buNone/>
-            </a:pPr>
-            <a:r>
-              <a:rPr lang="tr-TR" sz="1900" b="1" dirty="0" smtClean="0"/>
-              <a:t>                            </a:t>
-            </a:r>
-            <a:r>
-              <a:rPr lang="tr-TR" sz="1900" b="1" u="sng" dirty="0" smtClean="0"/>
-              <a:t>Class 0</a:t>
-            </a:r>
-            <a:r>
-              <a:rPr lang="tr-TR" sz="1900" b="1" dirty="0" smtClean="0"/>
-              <a:t>	</a:t>
-            </a:r>
-            <a:r>
-              <a:rPr lang="tr-TR" sz="1900" b="1" dirty="0"/>
+            <a:r>
+              <a:rPr lang="tr-TR" b="1" dirty="0" smtClean="0"/>
+              <a:t>1-</a:t>
+            </a:r>
+            <a:r>
+              <a:rPr lang="tr-TR" dirty="0" smtClean="0"/>
               <a:t> </a:t>
             </a:r>
             <a:r>
-              <a:rPr lang="tr-TR" sz="1900" b="1" dirty="0" smtClean="0"/>
-              <a:t>                                           </a:t>
-            </a:r>
-            <a:r>
-              <a:rPr lang="tr-TR" sz="1900" b="1" u="sng" dirty="0" smtClean="0"/>
-              <a:t>Class 1</a:t>
-            </a:r>
-            <a:r>
-              <a:rPr lang="tr-TR" sz="1900" b="1" dirty="0" smtClean="0"/>
-              <a:t>		</a:t>
-            </a:r>
-            <a:r>
-              <a:rPr lang="tr-TR" sz="1900" b="1" dirty="0"/>
-              <a:t>	</a:t>
-            </a:r>
-            <a:r>
-              <a:rPr lang="tr-TR" sz="1900" b="1" dirty="0" smtClean="0"/>
-              <a:t>         </a:t>
-            </a:r>
-            <a:r>
-              <a:rPr lang="tr-TR" sz="1900" b="1" u="sng" dirty="0" smtClean="0"/>
-              <a:t>Class 2</a:t>
-            </a:r>
-            <a:endParaRPr lang="en-US" sz="1900" b="1" u="sng" dirty="0"/>
+              <a:rPr lang="tr-TR" dirty="0" err="1" smtClean="0"/>
+              <a:t>Score</a:t>
+            </a:r>
+            <a:r>
+              <a:rPr lang="tr-TR" dirty="0" smtClean="0"/>
+              <a:t> </a:t>
+            </a:r>
+            <a:r>
+              <a:rPr lang="tr-TR" dirty="0" err="1" smtClean="0"/>
+              <a:t>calculation</a:t>
+            </a:r>
+            <a:endParaRPr lang="en-US" dirty="0"/>
           </a:p>
         </p:txBody>
       </p:sp>
       <p:pic>
         <p:nvPicPr>
-          <p:cNvPr id="13" name="Picture 12"/>
+          <p:cNvPr id="5" name="Content Placeholder 4"/>
           <p:cNvPicPr>
-            <a:picLocks noChangeAspect="1"/>
+            <a:picLocks noGrp="1" noChangeAspect="1"/>
           </p:cNvPicPr>
-          <p:nvPr/>
+          <p:nvPr>
+            <p:ph idx="1"/>
+          </p:nvPr>
         </p:nvPicPr>
-        <p:blipFill rotWithShape="1">
+        <p:blipFill>
           <a:blip r:embed="rId2">
             <a:extLst>
               <a:ext uri="{28A0092B-C50C-407E-A947-70E740481C1C}">
@@ -7114,28 +6783,26 @@
               </a:ext>
             </a:extLst>
           </a:blip>
-          <a:srcRect l="2614" r="8894"/>
-          <a:stretch/>
+          <a:stretch>
+            <a:fillRect/>
+          </a:stretch>
         </p:blipFill>
         <p:spPr>
           <a:xfrm>
-            <a:off x="1363286" y="3221424"/>
-            <a:ext cx="3358343" cy="2415749"/>
-          </a:xfrm>
-          <a:prstGeom prst="rect">
-            <a:avLst/>
-          </a:prstGeom>
+            <a:off x="1371599" y="2660071"/>
+            <a:ext cx="4493769" cy="1341073"/>
+          </a:xfrm>
         </p:spPr>
       </p:pic>
       <p:pic>
         <p:nvPicPr>
-          <p:cNvPr id="14" name="Picture 13"/>
+          <p:cNvPr id="6" name="Picture 5"/>
           <p:cNvPicPr>
             <a:picLocks noChangeAspect="1"/>
           </p:cNvPicPr>
           <p:nvPr/>
         </p:nvPicPr>
-        <p:blipFill rotWithShape="1">
+        <p:blipFill>
           <a:blip r:embed="rId3">
             <a:extLst>
               <a:ext uri="{28A0092B-C50C-407E-A947-70E740481C1C}">
@@ -7143,13 +6810,14 @@
               </a:ext>
             </a:extLst>
           </a:blip>
-          <a:srcRect l="1521" r="2707"/>
-          <a:stretch/>
+          <a:stretch>
+            <a:fillRect/>
+          </a:stretch>
         </p:blipFill>
         <p:spPr>
           <a:xfrm>
-            <a:off x="4942801" y="3221424"/>
-            <a:ext cx="3350030" cy="2370025"/>
+            <a:off x="1371599" y="4732190"/>
+            <a:ext cx="5353797" cy="1438476"/>
           </a:xfrm>
           <a:prstGeom prst="rect">
             <a:avLst/>
@@ -7158,13 +6826,13 @@
       </p:pic>
       <p:pic>
         <p:nvPicPr>
-          <p:cNvPr id="15" name="Picture 14"/>
+          <p:cNvPr id="8" name="Picture 7"/>
           <p:cNvPicPr>
             <a:picLocks noChangeAspect="1"/>
           </p:cNvPicPr>
           <p:nvPr/>
         </p:nvPicPr>
-        <p:blipFill rotWithShape="1">
+        <p:blipFill>
           <a:blip r:embed="rId4">
             <a:extLst>
               <a:ext uri="{28A0092B-C50C-407E-A947-70E740481C1C}">
@@ -7172,23 +6840,504 @@
               </a:ext>
             </a:extLst>
           </a:blip>
-          <a:srcRect l="1363" r="4868"/>
-          <a:stretch/>
+          <a:stretch>
+            <a:fillRect/>
+          </a:stretch>
         </p:blipFill>
         <p:spPr>
           <a:xfrm>
-            <a:off x="8711738" y="3213803"/>
-            <a:ext cx="3308466" cy="2354784"/>
+            <a:off x="6725396" y="2660071"/>
+            <a:ext cx="5163271" cy="1209844"/>
           </a:xfrm>
           <a:prstGeom prst="rect">
             <a:avLst/>
           </a:prstGeom>
         </p:spPr>
       </p:pic>
+      <p:sp>
+        <p:nvSpPr>
+          <p:cNvPr id="9" name="Content Placeholder 2"/>
+          <p:cNvSpPr txBox="1">
+            <a:spLocks/>
+          </p:cNvSpPr>
+          <p:nvPr/>
+        </p:nvSpPr>
+        <p:spPr>
+          <a:xfrm>
+            <a:off x="1371600" y="4228619"/>
+            <a:ext cx="9601200" cy="631767"/>
+          </a:xfrm>
+          <a:prstGeom prst="rect">
+            <a:avLst/>
+          </a:prstGeom>
+        </p:spPr>
+        <p:txBody>
+          <a:bodyPr vert="horz" lIns="91440" tIns="45720" rIns="91440" bIns="45720" rtlCol="0">
+            <a:normAutofit/>
+          </a:bodyPr>
+          <a:lstStyle>
+            <a:lvl1pPr marL="384048" indent="-384048" algn="l" defTabSz="914400" rtl="0" eaLnBrk="1" latinLnBrk="0" hangingPunct="1">
+              <a:lnSpc>
+                <a:spcPct val="94000"/>
+              </a:lnSpc>
+              <a:spcBef>
+                <a:spcPts val="1000"/>
+              </a:spcBef>
+              <a:spcAft>
+                <a:spcPts val="200"/>
+              </a:spcAft>
+              <a:buFont typeface="Franklin Gothic Book" panose="020B0503020102020204" pitchFamily="34" charset="0"/>
+              <a:buChar char="■"/>
+              <a:defRPr sz="2000" kern="1200" baseline="0">
+                <a:solidFill>
+                  <a:schemeClr val="tx2"/>
+                </a:solidFill>
+                <a:latin typeface="+mn-lt"/>
+                <a:ea typeface="+mn-ea"/>
+                <a:cs typeface="+mn-cs"/>
+              </a:defRPr>
+            </a:lvl1pPr>
+            <a:lvl2pPr marL="914400" indent="-384048" algn="l" defTabSz="914400" rtl="0" eaLnBrk="1" latinLnBrk="0" hangingPunct="1">
+              <a:lnSpc>
+                <a:spcPct val="94000"/>
+              </a:lnSpc>
+              <a:spcBef>
+                <a:spcPts val="500"/>
+              </a:spcBef>
+              <a:spcAft>
+                <a:spcPts val="200"/>
+              </a:spcAft>
+              <a:buFont typeface="Franklin Gothic Book" panose="020B0503020102020204" pitchFamily="34" charset="0"/>
+              <a:buChar char="–"/>
+              <a:defRPr sz="2000" i="1" kern="1200" baseline="0">
+                <a:solidFill>
+                  <a:schemeClr val="tx2"/>
+                </a:solidFill>
+                <a:latin typeface="+mn-lt"/>
+                <a:ea typeface="+mn-ea"/>
+                <a:cs typeface="+mn-cs"/>
+              </a:defRPr>
+            </a:lvl2pPr>
+            <a:lvl3pPr marL="1371600" indent="-384048" algn="l" defTabSz="914400" rtl="0" eaLnBrk="1" latinLnBrk="0" hangingPunct="1">
+              <a:lnSpc>
+                <a:spcPct val="94000"/>
+              </a:lnSpc>
+              <a:spcBef>
+                <a:spcPts val="500"/>
+              </a:spcBef>
+              <a:spcAft>
+                <a:spcPts val="200"/>
+              </a:spcAft>
+              <a:buFont typeface="Franklin Gothic Book" panose="020B0503020102020204" pitchFamily="34" charset="0"/>
+              <a:buChar char="■"/>
+              <a:defRPr sz="1800" kern="1200" baseline="0">
+                <a:solidFill>
+                  <a:schemeClr val="tx2"/>
+                </a:solidFill>
+                <a:latin typeface="+mn-lt"/>
+                <a:ea typeface="+mn-ea"/>
+                <a:cs typeface="+mn-cs"/>
+              </a:defRPr>
+            </a:lvl3pPr>
+            <a:lvl4pPr marL="1828800" indent="-384048" algn="l" defTabSz="914400" rtl="0" eaLnBrk="1" latinLnBrk="0" hangingPunct="1">
+              <a:lnSpc>
+                <a:spcPct val="94000"/>
+              </a:lnSpc>
+              <a:spcBef>
+                <a:spcPts val="500"/>
+              </a:spcBef>
+              <a:spcAft>
+                <a:spcPts val="200"/>
+              </a:spcAft>
+              <a:buFont typeface="Franklin Gothic Book" panose="020B0503020102020204" pitchFamily="34" charset="0"/>
+              <a:buChar char="–"/>
+              <a:defRPr sz="1800" i="1" kern="1200" baseline="0">
+                <a:solidFill>
+                  <a:schemeClr val="tx2"/>
+                </a:solidFill>
+                <a:latin typeface="+mn-lt"/>
+                <a:ea typeface="+mn-ea"/>
+                <a:cs typeface="+mn-cs"/>
+              </a:defRPr>
+            </a:lvl4pPr>
+            <a:lvl5pPr marL="2286000" indent="-384048" algn="l" defTabSz="914400" rtl="0" eaLnBrk="1" latinLnBrk="0" hangingPunct="1">
+              <a:lnSpc>
+                <a:spcPct val="94000"/>
+              </a:lnSpc>
+              <a:spcBef>
+                <a:spcPts val="500"/>
+              </a:spcBef>
+              <a:spcAft>
+                <a:spcPts val="200"/>
+              </a:spcAft>
+              <a:buFont typeface="Franklin Gothic Book" panose="020B0503020102020204" pitchFamily="34" charset="0"/>
+              <a:buChar char="■"/>
+              <a:defRPr sz="1600" kern="1200" baseline="0">
+                <a:solidFill>
+                  <a:schemeClr val="tx2"/>
+                </a:solidFill>
+                <a:latin typeface="+mn-lt"/>
+                <a:ea typeface="+mn-ea"/>
+                <a:cs typeface="+mn-cs"/>
+              </a:defRPr>
+            </a:lvl5pPr>
+            <a:lvl6pPr marL="2743200" indent="-384048" algn="l" defTabSz="914400" rtl="0" eaLnBrk="1" latinLnBrk="0" hangingPunct="1">
+              <a:lnSpc>
+                <a:spcPct val="94000"/>
+              </a:lnSpc>
+              <a:spcBef>
+                <a:spcPts val="500"/>
+              </a:spcBef>
+              <a:spcAft>
+                <a:spcPts val="200"/>
+              </a:spcAft>
+              <a:buFont typeface="Franklin Gothic Book" panose="020B0503020102020204" pitchFamily="34" charset="0"/>
+              <a:buChar char="–"/>
+              <a:defRPr sz="1600" i="1" kern="1200" baseline="0">
+                <a:solidFill>
+                  <a:schemeClr val="tx2"/>
+                </a:solidFill>
+                <a:latin typeface="+mn-lt"/>
+                <a:ea typeface="+mn-ea"/>
+                <a:cs typeface="+mn-cs"/>
+              </a:defRPr>
+            </a:lvl6pPr>
+            <a:lvl7pPr marL="3200400" indent="-384048" algn="l" defTabSz="914400" rtl="0" eaLnBrk="1" latinLnBrk="0" hangingPunct="1">
+              <a:lnSpc>
+                <a:spcPct val="94000"/>
+              </a:lnSpc>
+              <a:spcBef>
+                <a:spcPts val="500"/>
+              </a:spcBef>
+              <a:spcAft>
+                <a:spcPts val="200"/>
+              </a:spcAft>
+              <a:buFont typeface="Franklin Gothic Book" panose="020B0503020102020204" pitchFamily="34" charset="0"/>
+              <a:buChar char="■"/>
+              <a:defRPr sz="1400" kern="1200" baseline="0">
+                <a:solidFill>
+                  <a:schemeClr val="tx2"/>
+                </a:solidFill>
+                <a:latin typeface="+mn-lt"/>
+                <a:ea typeface="+mn-ea"/>
+                <a:cs typeface="+mn-cs"/>
+              </a:defRPr>
+            </a:lvl7pPr>
+            <a:lvl8pPr marL="3657600" indent="-384048" algn="l" defTabSz="914400" rtl="0" eaLnBrk="1" latinLnBrk="0" hangingPunct="1">
+              <a:lnSpc>
+                <a:spcPct val="94000"/>
+              </a:lnSpc>
+              <a:spcBef>
+                <a:spcPts val="500"/>
+              </a:spcBef>
+              <a:spcAft>
+                <a:spcPts val="200"/>
+              </a:spcAft>
+              <a:buFont typeface="Franklin Gothic Book" panose="020B0503020102020204" pitchFamily="34" charset="0"/>
+              <a:buChar char="–"/>
+              <a:defRPr sz="1400" i="1" kern="1200" baseline="0">
+                <a:solidFill>
+                  <a:schemeClr val="tx2"/>
+                </a:solidFill>
+                <a:latin typeface="+mn-lt"/>
+                <a:ea typeface="+mn-ea"/>
+                <a:cs typeface="+mn-cs"/>
+              </a:defRPr>
+            </a:lvl8pPr>
+            <a:lvl9pPr marL="4114800" indent="-384048" algn="l" defTabSz="914400" rtl="0" eaLnBrk="1" latinLnBrk="0" hangingPunct="1">
+              <a:lnSpc>
+                <a:spcPct val="94000"/>
+              </a:lnSpc>
+              <a:spcBef>
+                <a:spcPts val="500"/>
+              </a:spcBef>
+              <a:spcAft>
+                <a:spcPts val="200"/>
+              </a:spcAft>
+              <a:buFont typeface="Franklin Gothic Book" panose="020B0503020102020204" pitchFamily="34" charset="0"/>
+              <a:buChar char="■"/>
+              <a:defRPr sz="1400" kern="1200" baseline="0">
+                <a:solidFill>
+                  <a:schemeClr val="tx2"/>
+                </a:solidFill>
+                <a:latin typeface="+mn-lt"/>
+                <a:ea typeface="+mn-ea"/>
+                <a:cs typeface="+mn-cs"/>
+              </a:defRPr>
+            </a:lvl9pPr>
+          </a:lstStyle>
+          <a:p>
+            <a:pPr marL="0" indent="0">
+              <a:buNone/>
+            </a:pPr>
+            <a:r>
+              <a:rPr lang="tr-TR" b="1" dirty="0" smtClean="0"/>
+              <a:t>2-</a:t>
+            </a:r>
+            <a:r>
+              <a:rPr lang="tr-TR" dirty="0" smtClean="0"/>
+              <a:t> </a:t>
+            </a:r>
+            <a:r>
+              <a:rPr lang="tr-TR" dirty="0" err="1" smtClean="0"/>
+              <a:t>One</a:t>
+            </a:r>
+            <a:r>
+              <a:rPr lang="tr-TR" dirty="0" smtClean="0"/>
+              <a:t> </a:t>
+            </a:r>
+            <a:r>
+              <a:rPr lang="tr-TR" dirty="0" err="1" smtClean="0"/>
+              <a:t>vs</a:t>
+            </a:r>
+            <a:r>
+              <a:rPr lang="tr-TR" dirty="0" smtClean="0"/>
+              <a:t> rest </a:t>
+            </a:r>
+            <a:r>
+              <a:rPr lang="tr-TR" dirty="0" err="1" smtClean="0"/>
+              <a:t>logic</a:t>
+            </a:r>
+            <a:endParaRPr lang="en-US" dirty="0"/>
+          </a:p>
+        </p:txBody>
+      </p:sp>
+      <p:sp>
+        <p:nvSpPr>
+          <p:cNvPr id="10" name="Content Placeholder 2"/>
+          <p:cNvSpPr txBox="1">
+            <a:spLocks/>
+          </p:cNvSpPr>
+          <p:nvPr/>
+        </p:nvSpPr>
+        <p:spPr>
+          <a:xfrm>
+            <a:off x="6725396" y="2075303"/>
+            <a:ext cx="5163271" cy="631767"/>
+          </a:xfrm>
+          <a:prstGeom prst="rect">
+            <a:avLst/>
+          </a:prstGeom>
+        </p:spPr>
+        <p:txBody>
+          <a:bodyPr vert="horz" lIns="91440" tIns="45720" rIns="91440" bIns="45720" rtlCol="0">
+            <a:normAutofit/>
+          </a:bodyPr>
+          <a:lstStyle>
+            <a:lvl1pPr marL="384048" indent="-384048" algn="l" defTabSz="914400" rtl="0" eaLnBrk="1" latinLnBrk="0" hangingPunct="1">
+              <a:lnSpc>
+                <a:spcPct val="94000"/>
+              </a:lnSpc>
+              <a:spcBef>
+                <a:spcPts val="1000"/>
+              </a:spcBef>
+              <a:spcAft>
+                <a:spcPts val="200"/>
+              </a:spcAft>
+              <a:buFont typeface="Franklin Gothic Book" panose="020B0503020102020204" pitchFamily="34" charset="0"/>
+              <a:buChar char="■"/>
+              <a:defRPr sz="2000" kern="1200" baseline="0">
+                <a:solidFill>
+                  <a:schemeClr val="tx2"/>
+                </a:solidFill>
+                <a:latin typeface="+mn-lt"/>
+                <a:ea typeface="+mn-ea"/>
+                <a:cs typeface="+mn-cs"/>
+              </a:defRPr>
+            </a:lvl1pPr>
+            <a:lvl2pPr marL="914400" indent="-384048" algn="l" defTabSz="914400" rtl="0" eaLnBrk="1" latinLnBrk="0" hangingPunct="1">
+              <a:lnSpc>
+                <a:spcPct val="94000"/>
+              </a:lnSpc>
+              <a:spcBef>
+                <a:spcPts val="500"/>
+              </a:spcBef>
+              <a:spcAft>
+                <a:spcPts val="200"/>
+              </a:spcAft>
+              <a:buFont typeface="Franklin Gothic Book" panose="020B0503020102020204" pitchFamily="34" charset="0"/>
+              <a:buChar char="–"/>
+              <a:defRPr sz="2000" i="1" kern="1200" baseline="0">
+                <a:solidFill>
+                  <a:schemeClr val="tx2"/>
+                </a:solidFill>
+                <a:latin typeface="+mn-lt"/>
+                <a:ea typeface="+mn-ea"/>
+                <a:cs typeface="+mn-cs"/>
+              </a:defRPr>
+            </a:lvl2pPr>
+            <a:lvl3pPr marL="1371600" indent="-384048" algn="l" defTabSz="914400" rtl="0" eaLnBrk="1" latinLnBrk="0" hangingPunct="1">
+              <a:lnSpc>
+                <a:spcPct val="94000"/>
+              </a:lnSpc>
+              <a:spcBef>
+                <a:spcPts val="500"/>
+              </a:spcBef>
+              <a:spcAft>
+                <a:spcPts val="200"/>
+              </a:spcAft>
+              <a:buFont typeface="Franklin Gothic Book" panose="020B0503020102020204" pitchFamily="34" charset="0"/>
+              <a:buChar char="■"/>
+              <a:defRPr sz="1800" kern="1200" baseline="0">
+                <a:solidFill>
+                  <a:schemeClr val="tx2"/>
+                </a:solidFill>
+                <a:latin typeface="+mn-lt"/>
+                <a:ea typeface="+mn-ea"/>
+                <a:cs typeface="+mn-cs"/>
+              </a:defRPr>
+            </a:lvl3pPr>
+            <a:lvl4pPr marL="1828800" indent="-384048" algn="l" defTabSz="914400" rtl="0" eaLnBrk="1" latinLnBrk="0" hangingPunct="1">
+              <a:lnSpc>
+                <a:spcPct val="94000"/>
+              </a:lnSpc>
+              <a:spcBef>
+                <a:spcPts val="500"/>
+              </a:spcBef>
+              <a:spcAft>
+                <a:spcPts val="200"/>
+              </a:spcAft>
+              <a:buFont typeface="Franklin Gothic Book" panose="020B0503020102020204" pitchFamily="34" charset="0"/>
+              <a:buChar char="–"/>
+              <a:defRPr sz="1800" i="1" kern="1200" baseline="0">
+                <a:solidFill>
+                  <a:schemeClr val="tx2"/>
+                </a:solidFill>
+                <a:latin typeface="+mn-lt"/>
+                <a:ea typeface="+mn-ea"/>
+                <a:cs typeface="+mn-cs"/>
+              </a:defRPr>
+            </a:lvl4pPr>
+            <a:lvl5pPr marL="2286000" indent="-384048" algn="l" defTabSz="914400" rtl="0" eaLnBrk="1" latinLnBrk="0" hangingPunct="1">
+              <a:lnSpc>
+                <a:spcPct val="94000"/>
+              </a:lnSpc>
+              <a:spcBef>
+                <a:spcPts val="500"/>
+              </a:spcBef>
+              <a:spcAft>
+                <a:spcPts val="200"/>
+              </a:spcAft>
+              <a:buFont typeface="Franklin Gothic Book" panose="020B0503020102020204" pitchFamily="34" charset="0"/>
+              <a:buChar char="■"/>
+              <a:defRPr sz="1600" kern="1200" baseline="0">
+                <a:solidFill>
+                  <a:schemeClr val="tx2"/>
+                </a:solidFill>
+                <a:latin typeface="+mn-lt"/>
+                <a:ea typeface="+mn-ea"/>
+                <a:cs typeface="+mn-cs"/>
+              </a:defRPr>
+            </a:lvl5pPr>
+            <a:lvl6pPr marL="2743200" indent="-384048" algn="l" defTabSz="914400" rtl="0" eaLnBrk="1" latinLnBrk="0" hangingPunct="1">
+              <a:lnSpc>
+                <a:spcPct val="94000"/>
+              </a:lnSpc>
+              <a:spcBef>
+                <a:spcPts val="500"/>
+              </a:spcBef>
+              <a:spcAft>
+                <a:spcPts val="200"/>
+              </a:spcAft>
+              <a:buFont typeface="Franklin Gothic Book" panose="020B0503020102020204" pitchFamily="34" charset="0"/>
+              <a:buChar char="–"/>
+              <a:defRPr sz="1600" i="1" kern="1200" baseline="0">
+                <a:solidFill>
+                  <a:schemeClr val="tx2"/>
+                </a:solidFill>
+                <a:latin typeface="+mn-lt"/>
+                <a:ea typeface="+mn-ea"/>
+                <a:cs typeface="+mn-cs"/>
+              </a:defRPr>
+            </a:lvl6pPr>
+            <a:lvl7pPr marL="3200400" indent="-384048" algn="l" defTabSz="914400" rtl="0" eaLnBrk="1" latinLnBrk="0" hangingPunct="1">
+              <a:lnSpc>
+                <a:spcPct val="94000"/>
+              </a:lnSpc>
+              <a:spcBef>
+                <a:spcPts val="500"/>
+              </a:spcBef>
+              <a:spcAft>
+                <a:spcPts val="200"/>
+              </a:spcAft>
+              <a:buFont typeface="Franklin Gothic Book" panose="020B0503020102020204" pitchFamily="34" charset="0"/>
+              <a:buChar char="■"/>
+              <a:defRPr sz="1400" kern="1200" baseline="0">
+                <a:solidFill>
+                  <a:schemeClr val="tx2"/>
+                </a:solidFill>
+                <a:latin typeface="+mn-lt"/>
+                <a:ea typeface="+mn-ea"/>
+                <a:cs typeface="+mn-cs"/>
+              </a:defRPr>
+            </a:lvl7pPr>
+            <a:lvl8pPr marL="3657600" indent="-384048" algn="l" defTabSz="914400" rtl="0" eaLnBrk="1" latinLnBrk="0" hangingPunct="1">
+              <a:lnSpc>
+                <a:spcPct val="94000"/>
+              </a:lnSpc>
+              <a:spcBef>
+                <a:spcPts val="500"/>
+              </a:spcBef>
+              <a:spcAft>
+                <a:spcPts val="200"/>
+              </a:spcAft>
+              <a:buFont typeface="Franklin Gothic Book" panose="020B0503020102020204" pitchFamily="34" charset="0"/>
+              <a:buChar char="–"/>
+              <a:defRPr sz="1400" i="1" kern="1200" baseline="0">
+                <a:solidFill>
+                  <a:schemeClr val="tx2"/>
+                </a:solidFill>
+                <a:latin typeface="+mn-lt"/>
+                <a:ea typeface="+mn-ea"/>
+                <a:cs typeface="+mn-cs"/>
+              </a:defRPr>
+            </a:lvl8pPr>
+            <a:lvl9pPr marL="4114800" indent="-384048" algn="l" defTabSz="914400" rtl="0" eaLnBrk="1" latinLnBrk="0" hangingPunct="1">
+              <a:lnSpc>
+                <a:spcPct val="94000"/>
+              </a:lnSpc>
+              <a:spcBef>
+                <a:spcPts val="500"/>
+              </a:spcBef>
+              <a:spcAft>
+                <a:spcPts val="200"/>
+              </a:spcAft>
+              <a:buFont typeface="Franklin Gothic Book" panose="020B0503020102020204" pitchFamily="34" charset="0"/>
+              <a:buChar char="■"/>
+              <a:defRPr sz="1400" kern="1200" baseline="0">
+                <a:solidFill>
+                  <a:schemeClr val="tx2"/>
+                </a:solidFill>
+                <a:latin typeface="+mn-lt"/>
+                <a:ea typeface="+mn-ea"/>
+                <a:cs typeface="+mn-cs"/>
+              </a:defRPr>
+            </a:lvl9pPr>
+          </a:lstStyle>
+          <a:p>
+            <a:pPr marL="0" indent="0">
+              <a:buNone/>
+            </a:pPr>
+            <a:r>
+              <a:rPr lang="tr-TR" b="1" dirty="0" smtClean="0"/>
+              <a:t>3- </a:t>
+            </a:r>
+            <a:r>
+              <a:rPr lang="tr-TR" dirty="0" smtClean="0"/>
+              <a:t>ROC </a:t>
+            </a:r>
+            <a:r>
+              <a:rPr lang="tr-TR" dirty="0" err="1" smtClean="0"/>
+              <a:t>calculation</a:t>
+            </a:r>
+            <a:endParaRPr lang="en-US" dirty="0"/>
+          </a:p>
+        </p:txBody>
+      </p:sp>
     </p:spTree>
     <p:extLst>
       <p:ext uri="{BB962C8B-B14F-4D97-AF65-F5344CB8AC3E}">
-        <p14:creationId xmlns:p14="http://schemas.microsoft.com/office/powerpoint/2010/main" val="843434975"/>
+        <p14:creationId xmlns:p14="http://schemas.microsoft.com/office/powerpoint/2010/main" val="2896606135"/>
       </p:ext>
     </p:extLst>
   </p:cSld>
